--- a/그림파일.pptx
+++ b/그림파일.pptx
@@ -261,7 +261,7 @@
           <a:p>
             <a:fld id="{706613F5-8A1B-4297-8C84-A0DEEFD1C678}" type="datetimeFigureOut">
               <a:rPr lang="ko-KR" altLang="en-US" smtClean="0"/>
-              <a:t>2024-08-07</a:t>
+              <a:t>2024-08-08</a:t>
             </a:fld>
             <a:endParaRPr lang="ko-KR" altLang="en-US"/>
           </a:p>
@@ -459,7 +459,7 @@
           <a:p>
             <a:fld id="{706613F5-8A1B-4297-8C84-A0DEEFD1C678}" type="datetimeFigureOut">
               <a:rPr lang="ko-KR" altLang="en-US" smtClean="0"/>
-              <a:t>2024-08-07</a:t>
+              <a:t>2024-08-08</a:t>
             </a:fld>
             <a:endParaRPr lang="ko-KR" altLang="en-US"/>
           </a:p>
@@ -667,7 +667,7 @@
           <a:p>
             <a:fld id="{706613F5-8A1B-4297-8C84-A0DEEFD1C678}" type="datetimeFigureOut">
               <a:rPr lang="ko-KR" altLang="en-US" smtClean="0"/>
-              <a:t>2024-08-07</a:t>
+              <a:t>2024-08-08</a:t>
             </a:fld>
             <a:endParaRPr lang="ko-KR" altLang="en-US"/>
           </a:p>
@@ -865,7 +865,7 @@
           <a:p>
             <a:fld id="{706613F5-8A1B-4297-8C84-A0DEEFD1C678}" type="datetimeFigureOut">
               <a:rPr lang="ko-KR" altLang="en-US" smtClean="0"/>
-              <a:t>2024-08-07</a:t>
+              <a:t>2024-08-08</a:t>
             </a:fld>
             <a:endParaRPr lang="ko-KR" altLang="en-US"/>
           </a:p>
@@ -1140,7 +1140,7 @@
           <a:p>
             <a:fld id="{706613F5-8A1B-4297-8C84-A0DEEFD1C678}" type="datetimeFigureOut">
               <a:rPr lang="ko-KR" altLang="en-US" smtClean="0"/>
-              <a:t>2024-08-07</a:t>
+              <a:t>2024-08-08</a:t>
             </a:fld>
             <a:endParaRPr lang="ko-KR" altLang="en-US"/>
           </a:p>
@@ -1405,7 +1405,7 @@
           <a:p>
             <a:fld id="{706613F5-8A1B-4297-8C84-A0DEEFD1C678}" type="datetimeFigureOut">
               <a:rPr lang="ko-KR" altLang="en-US" smtClean="0"/>
-              <a:t>2024-08-07</a:t>
+              <a:t>2024-08-08</a:t>
             </a:fld>
             <a:endParaRPr lang="ko-KR" altLang="en-US"/>
           </a:p>
@@ -1817,7 +1817,7 @@
           <a:p>
             <a:fld id="{706613F5-8A1B-4297-8C84-A0DEEFD1C678}" type="datetimeFigureOut">
               <a:rPr lang="ko-KR" altLang="en-US" smtClean="0"/>
-              <a:t>2024-08-07</a:t>
+              <a:t>2024-08-08</a:t>
             </a:fld>
             <a:endParaRPr lang="ko-KR" altLang="en-US"/>
           </a:p>
@@ -1958,7 +1958,7 @@
           <a:p>
             <a:fld id="{706613F5-8A1B-4297-8C84-A0DEEFD1C678}" type="datetimeFigureOut">
               <a:rPr lang="ko-KR" altLang="en-US" smtClean="0"/>
-              <a:t>2024-08-07</a:t>
+              <a:t>2024-08-08</a:t>
             </a:fld>
             <a:endParaRPr lang="ko-KR" altLang="en-US"/>
           </a:p>
@@ -2071,7 +2071,7 @@
           <a:p>
             <a:fld id="{706613F5-8A1B-4297-8C84-A0DEEFD1C678}" type="datetimeFigureOut">
               <a:rPr lang="ko-KR" altLang="en-US" smtClean="0"/>
-              <a:t>2024-08-07</a:t>
+              <a:t>2024-08-08</a:t>
             </a:fld>
             <a:endParaRPr lang="ko-KR" altLang="en-US"/>
           </a:p>
@@ -2382,7 +2382,7 @@
           <a:p>
             <a:fld id="{706613F5-8A1B-4297-8C84-A0DEEFD1C678}" type="datetimeFigureOut">
               <a:rPr lang="ko-KR" altLang="en-US" smtClean="0"/>
-              <a:t>2024-08-07</a:t>
+              <a:t>2024-08-08</a:t>
             </a:fld>
             <a:endParaRPr lang="ko-KR" altLang="en-US"/>
           </a:p>
@@ -2670,7 +2670,7 @@
           <a:p>
             <a:fld id="{706613F5-8A1B-4297-8C84-A0DEEFD1C678}" type="datetimeFigureOut">
               <a:rPr lang="ko-KR" altLang="en-US" smtClean="0"/>
-              <a:t>2024-08-07</a:t>
+              <a:t>2024-08-08</a:t>
             </a:fld>
             <a:endParaRPr lang="ko-KR" altLang="en-US"/>
           </a:p>
@@ -2911,7 +2911,7 @@
           <a:p>
             <a:fld id="{706613F5-8A1B-4297-8C84-A0DEEFD1C678}" type="datetimeFigureOut">
               <a:rPr lang="ko-KR" altLang="en-US" smtClean="0"/>
-              <a:t>2024-08-07</a:t>
+              <a:t>2024-08-08</a:t>
             </a:fld>
             <a:endParaRPr lang="ko-KR" altLang="en-US"/>
           </a:p>
@@ -4994,6 +4994,202 @@
           </p:txBody>
         </p:sp>
       </p:grpSp>
+      <p:grpSp>
+        <p:nvGrpSpPr>
+          <p:cNvPr id="3" name="그룹 2">
+            <a:extLst>
+              <a:ext uri="{FF2B5EF4-FFF2-40B4-BE49-F238E27FC236}">
+                <a16:creationId xmlns:a16="http://schemas.microsoft.com/office/drawing/2014/main" id="{F33EE0D3-339E-61BB-8594-1A0DEAE912DF}"/>
+              </a:ext>
+            </a:extLst>
+          </p:cNvPr>
+          <p:cNvGrpSpPr/>
+          <p:nvPr/>
+        </p:nvGrpSpPr>
+        <p:grpSpPr>
+          <a:xfrm>
+            <a:off x="6748987" y="1063323"/>
+            <a:ext cx="2300350" cy="1230214"/>
+            <a:chOff x="3286936" y="2304661"/>
+            <a:chExt cx="2300350" cy="1230214"/>
+          </a:xfrm>
+        </p:grpSpPr>
+        <p:grpSp>
+          <p:nvGrpSpPr>
+            <p:cNvPr id="4" name="그룹 3">
+              <a:extLst>
+                <a:ext uri="{FF2B5EF4-FFF2-40B4-BE49-F238E27FC236}">
+                  <a16:creationId xmlns:a16="http://schemas.microsoft.com/office/drawing/2014/main" id="{75487FD8-F8BE-E6F2-358D-F8550E3A9B12}"/>
+                </a:ext>
+              </a:extLst>
+            </p:cNvPr>
+            <p:cNvGrpSpPr/>
+            <p:nvPr/>
+          </p:nvGrpSpPr>
+          <p:grpSpPr>
+            <a:xfrm>
+              <a:off x="3286936" y="2304661"/>
+              <a:ext cx="2300350" cy="1230214"/>
+              <a:chOff x="226495" y="189000"/>
+              <a:chExt cx="6752803" cy="3240000"/>
+            </a:xfrm>
+          </p:grpSpPr>
+          <p:sp>
+            <p:nvSpPr>
+              <p:cNvPr id="8" name="사각형: 둥근 모서리 7">
+                <a:extLst>
+                  <a:ext uri="{FF2B5EF4-FFF2-40B4-BE49-F238E27FC236}">
+                    <a16:creationId xmlns:a16="http://schemas.microsoft.com/office/drawing/2014/main" id="{23C92947-784B-7F13-2230-535590587B90}"/>
+                  </a:ext>
+                </a:extLst>
+              </p:cNvPr>
+              <p:cNvSpPr>
+                <a:spLocks noChangeAspect="1"/>
+              </p:cNvSpPr>
+              <p:nvPr/>
+            </p:nvSpPr>
+            <p:spPr>
+              <a:xfrm>
+                <a:off x="226495" y="189000"/>
+                <a:ext cx="6752803" cy="3240000"/>
+              </a:xfrm>
+              <a:prstGeom prst="roundRect">
+                <a:avLst>
+                  <a:gd name="adj" fmla="val 12735"/>
+                </a:avLst>
+              </a:prstGeom>
+              <a:solidFill>
+                <a:srgbClr val="BE9636"/>
+              </a:solidFill>
+              <a:ln>
+                <a:noFill/>
+              </a:ln>
+            </p:spPr>
+            <p:style>
+              <a:lnRef idx="2">
+                <a:schemeClr val="accent1">
+                  <a:shade val="15000"/>
+                </a:schemeClr>
+              </a:lnRef>
+              <a:fillRef idx="1">
+                <a:schemeClr val="accent1"/>
+              </a:fillRef>
+              <a:effectRef idx="0">
+                <a:schemeClr val="accent1"/>
+              </a:effectRef>
+              <a:fontRef idx="minor">
+                <a:schemeClr val="lt1"/>
+              </a:fontRef>
+            </p:style>
+            <p:txBody>
+              <a:bodyPr rtlCol="0" anchor="ctr"/>
+              <a:lstStyle/>
+              <a:p>
+                <a:pPr algn="ctr"/>
+                <a:endParaRPr lang="ko-KR" altLang="en-US" dirty="0"/>
+              </a:p>
+            </p:txBody>
+          </p:sp>
+          <p:sp>
+            <p:nvSpPr>
+              <p:cNvPr id="9" name="사각형: 둥근 모서리 8">
+                <a:extLst>
+                  <a:ext uri="{FF2B5EF4-FFF2-40B4-BE49-F238E27FC236}">
+                    <a16:creationId xmlns:a16="http://schemas.microsoft.com/office/drawing/2014/main" id="{7C5D61D4-95B4-CE6A-A8D0-98802866C9F7}"/>
+                  </a:ext>
+                </a:extLst>
+              </p:cNvPr>
+              <p:cNvSpPr>
+                <a:spLocks noChangeAspect="1"/>
+              </p:cNvSpPr>
+              <p:nvPr/>
+            </p:nvSpPr>
+            <p:spPr>
+              <a:xfrm>
+                <a:off x="622029" y="413409"/>
+                <a:ext cx="5967284" cy="2778296"/>
+              </a:xfrm>
+              <a:prstGeom prst="roundRect">
+                <a:avLst>
+                  <a:gd name="adj" fmla="val 8689"/>
+                </a:avLst>
+              </a:prstGeom>
+              <a:solidFill>
+                <a:srgbClr val="1D2235"/>
+              </a:solidFill>
+              <a:ln>
+                <a:noFill/>
+              </a:ln>
+            </p:spPr>
+            <p:style>
+              <a:lnRef idx="2">
+                <a:schemeClr val="accent1">
+                  <a:shade val="15000"/>
+                </a:schemeClr>
+              </a:lnRef>
+              <a:fillRef idx="1">
+                <a:schemeClr val="accent1"/>
+              </a:fillRef>
+              <a:effectRef idx="0">
+                <a:schemeClr val="accent1"/>
+              </a:effectRef>
+              <a:fontRef idx="minor">
+                <a:schemeClr val="lt1"/>
+              </a:fontRef>
+            </p:style>
+            <p:txBody>
+              <a:bodyPr rtlCol="0" anchor="ctr"/>
+              <a:lstStyle/>
+              <a:p>
+                <a:pPr algn="ctr"/>
+                <a:endParaRPr lang="ko-KR" altLang="en-US" dirty="0"/>
+              </a:p>
+            </p:txBody>
+          </p:sp>
+        </p:grpSp>
+        <p:sp>
+          <p:nvSpPr>
+            <p:cNvPr id="7" name="TextBox 6">
+              <a:extLst>
+                <a:ext uri="{FF2B5EF4-FFF2-40B4-BE49-F238E27FC236}">
+                  <a16:creationId xmlns:a16="http://schemas.microsoft.com/office/drawing/2014/main" id="{ECD5E802-231F-A19B-77DE-294FCC951CFE}"/>
+                </a:ext>
+              </a:extLst>
+            </p:cNvPr>
+            <p:cNvSpPr txBox="1"/>
+            <p:nvPr/>
+          </p:nvSpPr>
+          <p:spPr>
+            <a:xfrm>
+              <a:off x="3384048" y="2594155"/>
+              <a:ext cx="2106125" cy="646331"/>
+            </a:xfrm>
+            <a:prstGeom prst="rect">
+              <a:avLst/>
+            </a:prstGeom>
+            <a:noFill/>
+          </p:spPr>
+          <p:txBody>
+            <a:bodyPr wrap="square" rtlCol="0">
+              <a:spAutoFit/>
+            </a:bodyPr>
+            <a:lstStyle/>
+            <a:p>
+              <a:pPr algn="ctr"/>
+              <a:r>
+                <a:rPr lang="ko-KR" altLang="en-US" sz="3600" dirty="0">
+                  <a:solidFill>
+                    <a:srgbClr val="BE9636"/>
+                  </a:solidFill>
+                  <a:latin typeface="나눔고딕 ExtraBold" panose="020D0904000000000000" pitchFamily="50" charset="-127"/>
+                  <a:ea typeface="나눔고딕 ExtraBold" panose="020D0904000000000000" pitchFamily="50" charset="-127"/>
+                </a:rPr>
+                <a:t>이전화면</a:t>
+              </a:r>
+            </a:p>
+          </p:txBody>
+        </p:sp>
+      </p:grpSp>
     </p:spTree>
     <p:extLst>
       <p:ext uri="{BB962C8B-B14F-4D97-AF65-F5344CB8AC3E}">

--- a/그림파일.pptx
+++ b/그림파일.pptx
@@ -5248,7 +5248,7 @@
         </p:blipFill>
         <p:spPr>
           <a:xfrm>
-            <a:off x="0" y="400237"/>
+            <a:off x="107576" y="131296"/>
             <a:ext cx="2286319" cy="3524742"/>
           </a:xfrm>
           <a:prstGeom prst="rect">
@@ -5270,7 +5270,7 @@
         </p:nvSpPr>
         <p:spPr>
           <a:xfrm>
-            <a:off x="2769773" y="685159"/>
+            <a:off x="2518761" y="131296"/>
             <a:ext cx="2286000" cy="3524400"/>
           </a:xfrm>
           <a:prstGeom prst="roundRect">
@@ -5325,75 +5325,373 @@
           </a:p>
         </p:txBody>
       </p:sp>
-      <p:sp>
-        <p:nvSpPr>
-          <p:cNvPr id="6" name="사각형: 둥근 모서리 5">
-            <a:extLst>
-              <a:ext uri="{FF2B5EF4-FFF2-40B4-BE49-F238E27FC236}">
-                <a16:creationId xmlns:a16="http://schemas.microsoft.com/office/drawing/2014/main" id="{9CBD2E05-EE9A-1D59-FCC8-5F161B97DF4C}"/>
-              </a:ext>
-            </a:extLst>
-          </p:cNvPr>
-          <p:cNvSpPr/>
+      <p:grpSp>
+        <p:nvGrpSpPr>
+          <p:cNvPr id="12" name="그룹 11">
+            <a:extLst>
+              <a:ext uri="{FF2B5EF4-FFF2-40B4-BE49-F238E27FC236}">
+                <a16:creationId xmlns:a16="http://schemas.microsoft.com/office/drawing/2014/main" id="{CABDB593-8D45-69EE-FAF2-6D06FCA5569E}"/>
+              </a:ext>
+            </a:extLst>
+          </p:cNvPr>
+          <p:cNvGrpSpPr/>
           <p:nvPr/>
-        </p:nvSpPr>
-        <p:spPr>
+        </p:nvGrpSpPr>
+        <p:grpSpPr>
           <a:xfrm>
-            <a:off x="5652931" y="789722"/>
+            <a:off x="4953000" y="206188"/>
             <a:ext cx="2286000" cy="3524400"/>
+            <a:chOff x="7239159" y="770964"/>
+            <a:chExt cx="2286000" cy="3524400"/>
           </a:xfrm>
-          <a:prstGeom prst="roundRect">
-            <a:avLst>
-              <a:gd name="adj" fmla="val 5294"/>
-            </a:avLst>
-          </a:prstGeom>
-          <a:blipFill>
-            <a:blip r:embed="rId5">
+        </p:grpSpPr>
+        <p:sp>
+          <p:nvSpPr>
+            <p:cNvPr id="10" name="사각형: 둥근 모서리 9">
               <a:extLst>
-                <a:ext uri="{BEBA8EAE-BF5A-486C-A8C5-ECC9F3942E4B}">
-                  <a14:imgProps xmlns:a14="http://schemas.microsoft.com/office/drawing/2010/main">
-                    <a14:imgLayer r:embed="rId6">
-                      <a14:imgEffect>
-                        <a14:saturation sat="200000"/>
-                      </a14:imgEffect>
-                    </a14:imgLayer>
-                  </a14:imgProps>
+                <a:ext uri="{FF2B5EF4-FFF2-40B4-BE49-F238E27FC236}">
+                  <a16:creationId xmlns:a16="http://schemas.microsoft.com/office/drawing/2014/main" id="{55C5F5B7-C8F9-5C0A-3686-3DCDEBBCFE9E}"/>
                 </a:ext>
               </a:extLst>
-            </a:blip>
-            <a:stretch>
-              <a:fillRect/>
-            </a:stretch>
-          </a:blipFill>
-          <a:ln>
+            </p:cNvPr>
+            <p:cNvSpPr/>
+            <p:nvPr/>
+          </p:nvSpPr>
+          <p:spPr>
+            <a:xfrm>
+              <a:off x="7239159" y="770964"/>
+              <a:ext cx="2286000" cy="3524400"/>
+            </a:xfrm>
+            <a:prstGeom prst="roundRect">
+              <a:avLst>
+                <a:gd name="adj" fmla="val 5294"/>
+              </a:avLst>
+            </a:prstGeom>
+            <a:blipFill>
+              <a:blip r:embed="rId5">
+                <a:extLst>
+                  <a:ext uri="{BEBA8EAE-BF5A-486C-A8C5-ECC9F3942E4B}">
+                    <a14:imgProps xmlns:a14="http://schemas.microsoft.com/office/drawing/2010/main">
+                      <a14:imgLayer r:embed="rId6">
+                        <a14:imgEffect>
+                          <a14:artisticMarker/>
+                        </a14:imgEffect>
+                      </a14:imgLayer>
+                    </a14:imgProps>
+                  </a:ext>
+                  <a:ext uri="{28A0092B-C50C-407E-A947-70E740481C1C}">
+                    <a14:useLocalDpi xmlns:a14="http://schemas.microsoft.com/office/drawing/2010/main" val="0"/>
+                  </a:ext>
+                </a:extLst>
+              </a:blip>
+              <a:stretch>
+                <a:fillRect/>
+              </a:stretch>
+            </a:blipFill>
+            <a:ln>
+              <a:noFill/>
+            </a:ln>
+          </p:spPr>
+          <p:style>
+            <a:lnRef idx="2">
+              <a:schemeClr val="accent1">
+                <a:shade val="15000"/>
+              </a:schemeClr>
+            </a:lnRef>
+            <a:fillRef idx="1">
+              <a:schemeClr val="accent1"/>
+            </a:fillRef>
+            <a:effectRef idx="0">
+              <a:schemeClr val="accent1"/>
+            </a:effectRef>
+            <a:fontRef idx="minor">
+              <a:schemeClr val="lt1"/>
+            </a:fontRef>
+          </p:style>
+          <p:txBody>
+            <a:bodyPr rtlCol="0" anchor="ctr"/>
+            <a:lstStyle/>
+            <a:p>
+              <a:pPr algn="ctr"/>
+              <a:endParaRPr lang="ko-KR" altLang="en-US" b="1" dirty="0"/>
+            </a:p>
+          </p:txBody>
+        </p:sp>
+        <p:sp>
+          <p:nvSpPr>
+            <p:cNvPr id="9" name="TextBox 8">
+              <a:extLst>
+                <a:ext uri="{FF2B5EF4-FFF2-40B4-BE49-F238E27FC236}">
+                  <a16:creationId xmlns:a16="http://schemas.microsoft.com/office/drawing/2014/main" id="{DBE7F3E2-D8ED-22E9-B902-5852EE2B5425}"/>
+                </a:ext>
+              </a:extLst>
+            </p:cNvPr>
+            <p:cNvSpPr txBox="1"/>
+            <p:nvPr/>
+          </p:nvSpPr>
+          <p:spPr>
+            <a:xfrm>
+              <a:off x="9120720" y="914399"/>
+              <a:ext cx="242374" cy="276999"/>
+            </a:xfrm>
+            <a:prstGeom prst="rect">
+              <a:avLst/>
+            </a:prstGeom>
             <a:noFill/>
-          </a:ln>
-        </p:spPr>
-        <p:style>
-          <a:lnRef idx="2">
-            <a:schemeClr val="accent1">
-              <a:shade val="15000"/>
-            </a:schemeClr>
-          </a:lnRef>
-          <a:fillRef idx="1">
-            <a:schemeClr val="accent1"/>
-          </a:fillRef>
-          <a:effectRef idx="0">
-            <a:schemeClr val="accent1"/>
-          </a:effectRef>
-          <a:fontRef idx="minor">
-            <a:schemeClr val="lt1"/>
-          </a:fontRef>
-        </p:style>
-        <p:txBody>
-          <a:bodyPr rtlCol="0" anchor="ctr"/>
-          <a:lstStyle/>
-          <a:p>
-            <a:pPr algn="ctr"/>
-            <a:endParaRPr lang="ko-KR" altLang="en-US" dirty="0"/>
-          </a:p>
-        </p:txBody>
-      </p:sp>
+          </p:spPr>
+          <p:txBody>
+            <a:bodyPr wrap="none" rtlCol="0">
+              <a:spAutoFit/>
+            </a:bodyPr>
+            <a:lstStyle/>
+            <a:p>
+              <a:r>
+                <a:rPr lang="en-US" altLang="ko-KR" sz="1200" b="1" dirty="0">
+                  <a:solidFill>
+                    <a:srgbClr val="58AEC2"/>
+                  </a:solidFill>
+                  <a:latin typeface="한컴 말랑말랑 Regular" panose="020F0303000000000000" pitchFamily="50" charset="-127"/>
+                  <a:ea typeface="한컴 말랑말랑 Regular" panose="020F0303000000000000" pitchFamily="50" charset="-127"/>
+                </a:rPr>
+                <a:t>1</a:t>
+              </a:r>
+              <a:endParaRPr lang="ko-KR" altLang="en-US" sz="1200" b="1" dirty="0">
+                <a:solidFill>
+                  <a:srgbClr val="58AEC2"/>
+                </a:solidFill>
+                <a:latin typeface="한컴 말랑말랑 Regular" panose="020F0303000000000000" pitchFamily="50" charset="-127"/>
+                <a:ea typeface="한컴 말랑말랑 Regular" panose="020F0303000000000000" pitchFamily="50" charset="-127"/>
+              </a:endParaRPr>
+            </a:p>
+          </p:txBody>
+        </p:sp>
+        <p:sp>
+          <p:nvSpPr>
+            <p:cNvPr id="11" name="TextBox 10">
+              <a:extLst>
+                <a:ext uri="{FF2B5EF4-FFF2-40B4-BE49-F238E27FC236}">
+                  <a16:creationId xmlns:a16="http://schemas.microsoft.com/office/drawing/2014/main" id="{F60216ED-3FCF-DC8D-15EE-B4F1B8E528D8}"/>
+                </a:ext>
+              </a:extLst>
+            </p:cNvPr>
+            <p:cNvSpPr txBox="1"/>
+            <p:nvPr/>
+          </p:nvSpPr>
+          <p:spPr>
+            <a:xfrm rot="16200000">
+              <a:off x="8634997" y="3442446"/>
+              <a:ext cx="1266693" cy="276999"/>
+            </a:xfrm>
+            <a:prstGeom prst="rect">
+              <a:avLst/>
+            </a:prstGeom>
+            <a:noFill/>
+          </p:spPr>
+          <p:txBody>
+            <a:bodyPr wrap="none" rtlCol="0">
+              <a:spAutoFit/>
+            </a:bodyPr>
+            <a:lstStyle/>
+            <a:p>
+              <a:r>
+                <a:rPr lang="en-US" altLang="ko-KR" sz="1200" b="1" dirty="0">
+                  <a:latin typeface="한컴 말랑말랑 Regular" panose="020F0303000000000000" pitchFamily="50" charset="-127"/>
+                  <a:ea typeface="한컴 말랑말랑 Regular" panose="020F0303000000000000" pitchFamily="50" charset="-127"/>
+                </a:rPr>
+                <a:t>Man’s thought</a:t>
+              </a:r>
+              <a:endParaRPr lang="ko-KR" altLang="en-US" sz="1200" b="1" dirty="0">
+                <a:latin typeface="한컴 말랑말랑 Regular" panose="020F0303000000000000" pitchFamily="50" charset="-127"/>
+                <a:ea typeface="한컴 말랑말랑 Regular" panose="020F0303000000000000" pitchFamily="50" charset="-127"/>
+              </a:endParaRPr>
+            </a:p>
+          </p:txBody>
+        </p:sp>
+      </p:grpSp>
+      <p:grpSp>
+        <p:nvGrpSpPr>
+          <p:cNvPr id="13" name="그룹 12">
+            <a:extLst>
+              <a:ext uri="{FF2B5EF4-FFF2-40B4-BE49-F238E27FC236}">
+                <a16:creationId xmlns:a16="http://schemas.microsoft.com/office/drawing/2014/main" id="{822BAF78-BD67-0EDD-044E-2A1246EF915E}"/>
+              </a:ext>
+            </a:extLst>
+          </p:cNvPr>
+          <p:cNvGrpSpPr/>
+          <p:nvPr/>
+        </p:nvGrpSpPr>
+        <p:grpSpPr>
+          <a:xfrm>
+            <a:off x="7633447" y="131638"/>
+            <a:ext cx="2286000" cy="3524400"/>
+            <a:chOff x="7239159" y="770964"/>
+            <a:chExt cx="2286000" cy="3524400"/>
+          </a:xfrm>
+        </p:grpSpPr>
+        <p:sp>
+          <p:nvSpPr>
+            <p:cNvPr id="14" name="사각형: 둥근 모서리 13">
+              <a:extLst>
+                <a:ext uri="{FF2B5EF4-FFF2-40B4-BE49-F238E27FC236}">
+                  <a16:creationId xmlns:a16="http://schemas.microsoft.com/office/drawing/2014/main" id="{FD8EE8C4-58A7-4D12-D2EF-0A3093E8B31E}"/>
+                </a:ext>
+              </a:extLst>
+            </p:cNvPr>
+            <p:cNvSpPr/>
+            <p:nvPr/>
+          </p:nvSpPr>
+          <p:spPr>
+            <a:xfrm>
+              <a:off x="7239159" y="770964"/>
+              <a:ext cx="2286000" cy="3524400"/>
+            </a:xfrm>
+            <a:prstGeom prst="roundRect">
+              <a:avLst>
+                <a:gd name="adj" fmla="val 5294"/>
+              </a:avLst>
+            </a:prstGeom>
+            <a:blipFill>
+              <a:blip r:embed="rId5">
+                <a:extLst>
+                  <a:ext uri="{BEBA8EAE-BF5A-486C-A8C5-ECC9F3942E4B}">
+                    <a14:imgProps xmlns:a14="http://schemas.microsoft.com/office/drawing/2010/main">
+                      <a14:imgLayer r:embed="rId6">
+                        <a14:imgEffect>
+                          <a14:artisticMarker/>
+                        </a14:imgEffect>
+                      </a14:imgLayer>
+                    </a14:imgProps>
+                  </a:ext>
+                  <a:ext uri="{28A0092B-C50C-407E-A947-70E740481C1C}">
+                    <a14:useLocalDpi xmlns:a14="http://schemas.microsoft.com/office/drawing/2010/main" val="0"/>
+                  </a:ext>
+                </a:extLst>
+              </a:blip>
+              <a:stretch>
+                <a:fillRect/>
+              </a:stretch>
+            </a:blipFill>
+            <a:ln>
+              <a:noFill/>
+            </a:ln>
+          </p:spPr>
+          <p:style>
+            <a:lnRef idx="2">
+              <a:schemeClr val="accent1">
+                <a:shade val="15000"/>
+              </a:schemeClr>
+            </a:lnRef>
+            <a:fillRef idx="1">
+              <a:schemeClr val="accent1"/>
+            </a:fillRef>
+            <a:effectRef idx="0">
+              <a:schemeClr val="accent1"/>
+            </a:effectRef>
+            <a:fontRef idx="minor">
+              <a:schemeClr val="lt1"/>
+            </a:fontRef>
+          </p:style>
+          <p:txBody>
+            <a:bodyPr rtlCol="0" anchor="ctr"/>
+            <a:lstStyle/>
+            <a:p>
+              <a:pPr algn="ctr"/>
+              <a:endParaRPr lang="ko-KR" altLang="en-US" b="1" dirty="0"/>
+            </a:p>
+          </p:txBody>
+        </p:sp>
+        <p:sp>
+          <p:nvSpPr>
+            <p:cNvPr id="15" name="TextBox 14">
+              <a:extLst>
+                <a:ext uri="{FF2B5EF4-FFF2-40B4-BE49-F238E27FC236}">
+                  <a16:creationId xmlns:a16="http://schemas.microsoft.com/office/drawing/2014/main" id="{5949C4E3-39AD-92A4-606C-1C0A2C62FC7D}"/>
+                </a:ext>
+              </a:extLst>
+            </p:cNvPr>
+            <p:cNvSpPr txBox="1"/>
+            <p:nvPr/>
+          </p:nvSpPr>
+          <p:spPr>
+            <a:xfrm>
+              <a:off x="8633171" y="914399"/>
+              <a:ext cx="758777" cy="276999"/>
+            </a:xfrm>
+            <a:prstGeom prst="rect">
+              <a:avLst/>
+            </a:prstGeom>
+            <a:noFill/>
+          </p:spPr>
+          <p:txBody>
+            <a:bodyPr wrap="square" rtlCol="0">
+              <a:spAutoFit/>
+            </a:bodyPr>
+            <a:lstStyle/>
+            <a:p>
+              <a:pPr algn="r"/>
+              <a:r>
+                <a:rPr lang="en-US" altLang="ko-KR" sz="1200" b="1" dirty="0">
+                  <a:solidFill>
+                    <a:srgbClr val="58AEC2"/>
+                  </a:solidFill>
+                  <a:latin typeface="한컴 말랑말랑 Regular" panose="020F0303000000000000" pitchFamily="50" charset="-127"/>
+                  <a:ea typeface="한컴 말랑말랑 Regular" panose="020F0303000000000000" pitchFamily="50" charset="-127"/>
+                </a:rPr>
+                <a:t>2</a:t>
+              </a:r>
+              <a:endParaRPr lang="ko-KR" altLang="en-US" sz="1200" b="1" dirty="0">
+                <a:solidFill>
+                  <a:srgbClr val="58AEC2"/>
+                </a:solidFill>
+                <a:latin typeface="한컴 말랑말랑 Regular" panose="020F0303000000000000" pitchFamily="50" charset="-127"/>
+                <a:ea typeface="한컴 말랑말랑 Regular" panose="020F0303000000000000" pitchFamily="50" charset="-127"/>
+              </a:endParaRPr>
+            </a:p>
+          </p:txBody>
+        </p:sp>
+        <p:sp>
+          <p:nvSpPr>
+            <p:cNvPr id="16" name="TextBox 15">
+              <a:extLst>
+                <a:ext uri="{FF2B5EF4-FFF2-40B4-BE49-F238E27FC236}">
+                  <a16:creationId xmlns:a16="http://schemas.microsoft.com/office/drawing/2014/main" id="{3CF8B416-79F8-8E9B-616E-A7D402B98EDB}"/>
+                </a:ext>
+              </a:extLst>
+            </p:cNvPr>
+            <p:cNvSpPr txBox="1"/>
+            <p:nvPr/>
+          </p:nvSpPr>
+          <p:spPr>
+            <a:xfrm rot="16200000">
+              <a:off x="8052214" y="2859662"/>
+              <a:ext cx="2432259" cy="276999"/>
+            </a:xfrm>
+            <a:prstGeom prst="rect">
+              <a:avLst/>
+            </a:prstGeom>
+            <a:noFill/>
+          </p:spPr>
+          <p:txBody>
+            <a:bodyPr wrap="square" rtlCol="0">
+              <a:spAutoFit/>
+            </a:bodyPr>
+            <a:lstStyle/>
+            <a:p>
+              <a:r>
+                <a:rPr lang="en-US" altLang="ko-KR" sz="1200" b="1" dirty="0">
+                  <a:latin typeface="한컴 말랑말랑 Regular" panose="020F0303000000000000" pitchFamily="50" charset="-127"/>
+                  <a:ea typeface="한컴 말랑말랑 Regular" panose="020F0303000000000000" pitchFamily="50" charset="-127"/>
+                </a:rPr>
+                <a:t>Man’s thought</a:t>
+              </a:r>
+              <a:endParaRPr lang="ko-KR" altLang="en-US" sz="1200" b="1" dirty="0">
+                <a:latin typeface="한컴 말랑말랑 Regular" panose="020F0303000000000000" pitchFamily="50" charset="-127"/>
+                <a:ea typeface="한컴 말랑말랑 Regular" panose="020F0303000000000000" pitchFamily="50" charset="-127"/>
+              </a:endParaRPr>
+            </a:p>
+          </p:txBody>
+        </p:sp>
+      </p:grpSp>
     </p:spTree>
     <p:extLst>
       <p:ext uri="{BB962C8B-B14F-4D97-AF65-F5344CB8AC3E}">

--- a/그림파일.pptx
+++ b/그림파일.pptx
@@ -8,6 +8,7 @@
     <p:sldId id="256" r:id="rId2"/>
     <p:sldId id="257" r:id="rId3"/>
     <p:sldId id="258" r:id="rId4"/>
+    <p:sldId id="259" r:id="rId5"/>
   </p:sldIdLst>
   <p:sldSz cx="12192000" cy="6858000"/>
   <p:notesSz cx="6858000" cy="9144000"/>
@@ -261,7 +262,7 @@
           <a:p>
             <a:fld id="{706613F5-8A1B-4297-8C84-A0DEEFD1C678}" type="datetimeFigureOut">
               <a:rPr lang="ko-KR" altLang="en-US" smtClean="0"/>
-              <a:t>2024-08-08</a:t>
+              <a:t>2024-08-09</a:t>
             </a:fld>
             <a:endParaRPr lang="ko-KR" altLang="en-US"/>
           </a:p>
@@ -459,7 +460,7 @@
           <a:p>
             <a:fld id="{706613F5-8A1B-4297-8C84-A0DEEFD1C678}" type="datetimeFigureOut">
               <a:rPr lang="ko-KR" altLang="en-US" smtClean="0"/>
-              <a:t>2024-08-08</a:t>
+              <a:t>2024-08-09</a:t>
             </a:fld>
             <a:endParaRPr lang="ko-KR" altLang="en-US"/>
           </a:p>
@@ -667,7 +668,7 @@
           <a:p>
             <a:fld id="{706613F5-8A1B-4297-8C84-A0DEEFD1C678}" type="datetimeFigureOut">
               <a:rPr lang="ko-KR" altLang="en-US" smtClean="0"/>
-              <a:t>2024-08-08</a:t>
+              <a:t>2024-08-09</a:t>
             </a:fld>
             <a:endParaRPr lang="ko-KR" altLang="en-US"/>
           </a:p>
@@ -865,7 +866,7 @@
           <a:p>
             <a:fld id="{706613F5-8A1B-4297-8C84-A0DEEFD1C678}" type="datetimeFigureOut">
               <a:rPr lang="ko-KR" altLang="en-US" smtClean="0"/>
-              <a:t>2024-08-08</a:t>
+              <a:t>2024-08-09</a:t>
             </a:fld>
             <a:endParaRPr lang="ko-KR" altLang="en-US"/>
           </a:p>
@@ -1140,7 +1141,7 @@
           <a:p>
             <a:fld id="{706613F5-8A1B-4297-8C84-A0DEEFD1C678}" type="datetimeFigureOut">
               <a:rPr lang="ko-KR" altLang="en-US" smtClean="0"/>
-              <a:t>2024-08-08</a:t>
+              <a:t>2024-08-09</a:t>
             </a:fld>
             <a:endParaRPr lang="ko-KR" altLang="en-US"/>
           </a:p>
@@ -1405,7 +1406,7 @@
           <a:p>
             <a:fld id="{706613F5-8A1B-4297-8C84-A0DEEFD1C678}" type="datetimeFigureOut">
               <a:rPr lang="ko-KR" altLang="en-US" smtClean="0"/>
-              <a:t>2024-08-08</a:t>
+              <a:t>2024-08-09</a:t>
             </a:fld>
             <a:endParaRPr lang="ko-KR" altLang="en-US"/>
           </a:p>
@@ -1817,7 +1818,7 @@
           <a:p>
             <a:fld id="{706613F5-8A1B-4297-8C84-A0DEEFD1C678}" type="datetimeFigureOut">
               <a:rPr lang="ko-KR" altLang="en-US" smtClean="0"/>
-              <a:t>2024-08-08</a:t>
+              <a:t>2024-08-09</a:t>
             </a:fld>
             <a:endParaRPr lang="ko-KR" altLang="en-US"/>
           </a:p>
@@ -1958,7 +1959,7 @@
           <a:p>
             <a:fld id="{706613F5-8A1B-4297-8C84-A0DEEFD1C678}" type="datetimeFigureOut">
               <a:rPr lang="ko-KR" altLang="en-US" smtClean="0"/>
-              <a:t>2024-08-08</a:t>
+              <a:t>2024-08-09</a:t>
             </a:fld>
             <a:endParaRPr lang="ko-KR" altLang="en-US"/>
           </a:p>
@@ -2071,7 +2072,7 @@
           <a:p>
             <a:fld id="{706613F5-8A1B-4297-8C84-A0DEEFD1C678}" type="datetimeFigureOut">
               <a:rPr lang="ko-KR" altLang="en-US" smtClean="0"/>
-              <a:t>2024-08-08</a:t>
+              <a:t>2024-08-09</a:t>
             </a:fld>
             <a:endParaRPr lang="ko-KR" altLang="en-US"/>
           </a:p>
@@ -2382,7 +2383,7 @@
           <a:p>
             <a:fld id="{706613F5-8A1B-4297-8C84-A0DEEFD1C678}" type="datetimeFigureOut">
               <a:rPr lang="ko-KR" altLang="en-US" smtClean="0"/>
-              <a:t>2024-08-08</a:t>
+              <a:t>2024-08-09</a:t>
             </a:fld>
             <a:endParaRPr lang="ko-KR" altLang="en-US"/>
           </a:p>
@@ -2670,7 +2671,7 @@
           <a:p>
             <a:fld id="{706613F5-8A1B-4297-8C84-A0DEEFD1C678}" type="datetimeFigureOut">
               <a:rPr lang="ko-KR" altLang="en-US" smtClean="0"/>
-              <a:t>2024-08-08</a:t>
+              <a:t>2024-08-09</a:t>
             </a:fld>
             <a:endParaRPr lang="ko-KR" altLang="en-US"/>
           </a:p>
@@ -2911,7 +2912,7 @@
           <a:p>
             <a:fld id="{706613F5-8A1B-4297-8C84-A0DEEFD1C678}" type="datetimeFigureOut">
               <a:rPr lang="ko-KR" altLang="en-US" smtClean="0"/>
-              <a:t>2024-08-08</a:t>
+              <a:t>2024-08-09</a:t>
             </a:fld>
             <a:endParaRPr lang="ko-KR" altLang="en-US"/>
           </a:p>
@@ -5220,42 +5221,52 @@
           <a:chExt cx="0" cy="0"/>
         </a:xfrm>
       </p:grpSpPr>
-      <p:pic>
-        <p:nvPicPr>
-          <p:cNvPr id="4" name="그림 3">
-            <a:extLst>
-              <a:ext uri="{FF2B5EF4-FFF2-40B4-BE49-F238E27FC236}">
-                <a16:creationId xmlns:a16="http://schemas.microsoft.com/office/drawing/2014/main" id="{9F664AB1-1E6C-B2E7-07F2-1B596A8E9176}"/>
-              </a:ext>
-            </a:extLst>
-          </p:cNvPr>
-          <p:cNvPicPr>
-            <a:picLocks noChangeAspect="1"/>
-          </p:cNvPicPr>
+      <p:sp>
+        <p:nvSpPr>
+          <p:cNvPr id="2" name="직사각형 1">
+            <a:extLst>
+              <a:ext uri="{FF2B5EF4-FFF2-40B4-BE49-F238E27FC236}">
+                <a16:creationId xmlns:a16="http://schemas.microsoft.com/office/drawing/2014/main" id="{356FF77C-3AFE-3190-849F-1B2114DD40BD}"/>
+              </a:ext>
+            </a:extLst>
+          </p:cNvPr>
+          <p:cNvSpPr/>
           <p:nvPr/>
-        </p:nvPicPr>
-        <p:blipFill>
-          <a:blip r:embed="rId2">
-            <a:extLst>
-              <a:ext uri="{28A0092B-C50C-407E-A947-70E740481C1C}">
-                <a14:useLocalDpi xmlns:a14="http://schemas.microsoft.com/office/drawing/2010/main" val="0"/>
-              </a:ext>
-            </a:extLst>
-          </a:blip>
-          <a:stretch>
-            <a:fillRect/>
-          </a:stretch>
-        </p:blipFill>
+        </p:nvSpPr>
         <p:spPr>
           <a:xfrm>
-            <a:off x="107576" y="131296"/>
-            <a:ext cx="2286319" cy="3524742"/>
+            <a:off x="0" y="0"/>
+            <a:ext cx="12192000" cy="6858000"/>
           </a:xfrm>
           <a:prstGeom prst="rect">
             <a:avLst/>
           </a:prstGeom>
         </p:spPr>
-      </p:pic>
+        <p:style>
+          <a:lnRef idx="2">
+            <a:schemeClr val="accent1">
+              <a:shade val="15000"/>
+            </a:schemeClr>
+          </a:lnRef>
+          <a:fillRef idx="1">
+            <a:schemeClr val="accent1"/>
+          </a:fillRef>
+          <a:effectRef idx="0">
+            <a:schemeClr val="accent1"/>
+          </a:effectRef>
+          <a:fontRef idx="minor">
+            <a:schemeClr val="lt1"/>
+          </a:fontRef>
+        </p:style>
+        <p:txBody>
+          <a:bodyPr rtlCol="0" anchor="ctr"/>
+          <a:lstStyle/>
+          <a:p>
+            <a:pPr algn="ctr"/>
+            <a:endParaRPr lang="ko-KR" altLang="en-US"/>
+          </a:p>
+        </p:txBody>
+      </p:sp>
       <p:sp>
         <p:nvSpPr>
           <p:cNvPr id="5" name="사각형: 둥근 모서리 4">
@@ -5270,7 +5281,7 @@
         </p:nvSpPr>
         <p:spPr>
           <a:xfrm>
-            <a:off x="2518761" y="131296"/>
+            <a:off x="0" y="0"/>
             <a:ext cx="2286000" cy="3524400"/>
           </a:xfrm>
           <a:prstGeom prst="roundRect">
@@ -5279,11 +5290,11 @@
             </a:avLst>
           </a:prstGeom>
           <a:blipFill>
-            <a:blip r:embed="rId3">
+            <a:blip r:embed="rId2">
               <a:extLst>
                 <a:ext uri="{BEBA8EAE-BF5A-486C-A8C5-ECC9F3942E4B}">
                   <a14:imgProps xmlns:a14="http://schemas.microsoft.com/office/drawing/2010/main">
-                    <a14:imgLayer r:embed="rId4">
+                    <a14:imgLayer r:embed="rId3">
                       <a14:imgEffect>
                         <a14:artisticMarker/>
                       </a14:imgEffect>
@@ -5339,7 +5350,7 @@
         </p:nvGrpSpPr>
         <p:grpSpPr>
           <a:xfrm>
-            <a:off x="4953000" y="206188"/>
+            <a:off x="2286000" y="0"/>
             <a:ext cx="2286000" cy="3524400"/>
             <a:chOff x="7239159" y="770964"/>
             <a:chExt cx="2286000" cy="3524400"/>
@@ -5368,11 +5379,11 @@
               </a:avLst>
             </a:prstGeom>
             <a:blipFill>
-              <a:blip r:embed="rId5">
+              <a:blip r:embed="rId4">
                 <a:extLst>
                   <a:ext uri="{BEBA8EAE-BF5A-486C-A8C5-ECC9F3942E4B}">
                     <a14:imgProps xmlns:a14="http://schemas.microsoft.com/office/drawing/2010/main">
-                      <a14:imgLayer r:embed="rId6">
+                      <a14:imgLayer r:embed="rId5">
                         <a14:imgEffect>
                           <a14:artisticMarker/>
                         </a14:imgEffect>
@@ -5522,7 +5533,7 @@
         </p:nvGrpSpPr>
         <p:grpSpPr>
           <a:xfrm>
-            <a:off x="7633447" y="131638"/>
+            <a:off x="4572000" y="0"/>
             <a:ext cx="2286000" cy="3524400"/>
             <a:chOff x="7239159" y="770964"/>
             <a:chExt cx="2286000" cy="3524400"/>
@@ -5551,11 +5562,11 @@
               </a:avLst>
             </a:prstGeom>
             <a:blipFill>
-              <a:blip r:embed="rId5">
+              <a:blip r:embed="rId6">
                 <a:extLst>
                   <a:ext uri="{BEBA8EAE-BF5A-486C-A8C5-ECC9F3942E4B}">
                     <a14:imgProps xmlns:a14="http://schemas.microsoft.com/office/drawing/2010/main">
-                      <a14:imgLayer r:embed="rId6">
+                      <a14:imgLayer r:embed="rId7">
                         <a14:imgEffect>
                           <a14:artisticMarker/>
                         </a14:imgEffect>
@@ -5682,7 +5693,1357 @@
                   <a:latin typeface="한컴 말랑말랑 Regular" panose="020F0303000000000000" pitchFamily="50" charset="-127"/>
                   <a:ea typeface="한컴 말랑말랑 Regular" panose="020F0303000000000000" pitchFamily="50" charset="-127"/>
                 </a:rPr>
-                <a:t>Man’s thought</a:t>
+                <a:t>Waman’s thought</a:t>
+              </a:r>
+              <a:endParaRPr lang="ko-KR" altLang="en-US" sz="1200" b="1" dirty="0">
+                <a:latin typeface="한컴 말랑말랑 Regular" panose="020F0303000000000000" pitchFamily="50" charset="-127"/>
+                <a:ea typeface="한컴 말랑말랑 Regular" panose="020F0303000000000000" pitchFamily="50" charset="-127"/>
+              </a:endParaRPr>
+            </a:p>
+          </p:txBody>
+        </p:sp>
+      </p:grpSp>
+      <p:grpSp>
+        <p:nvGrpSpPr>
+          <p:cNvPr id="18" name="그룹 17">
+            <a:extLst>
+              <a:ext uri="{FF2B5EF4-FFF2-40B4-BE49-F238E27FC236}">
+                <a16:creationId xmlns:a16="http://schemas.microsoft.com/office/drawing/2014/main" id="{67F23FE6-AACA-59EB-1591-58C097414525}"/>
+              </a:ext>
+            </a:extLst>
+          </p:cNvPr>
+          <p:cNvGrpSpPr/>
+          <p:nvPr/>
+        </p:nvGrpSpPr>
+        <p:grpSpPr>
+          <a:xfrm>
+            <a:off x="6858000" y="0"/>
+            <a:ext cx="2286000" cy="3524400"/>
+            <a:chOff x="6858000" y="0"/>
+            <a:chExt cx="2286000" cy="3524400"/>
+          </a:xfrm>
+        </p:grpSpPr>
+        <p:sp>
+          <p:nvSpPr>
+            <p:cNvPr id="6" name="사각형: 둥근 모서리 5">
+              <a:extLst>
+                <a:ext uri="{FF2B5EF4-FFF2-40B4-BE49-F238E27FC236}">
+                  <a16:creationId xmlns:a16="http://schemas.microsoft.com/office/drawing/2014/main" id="{30772E47-0B03-932D-A9C9-DC7564A43618}"/>
+                </a:ext>
+              </a:extLst>
+            </p:cNvPr>
+            <p:cNvSpPr/>
+            <p:nvPr/>
+          </p:nvSpPr>
+          <p:spPr>
+            <a:xfrm>
+              <a:off x="6858000" y="0"/>
+              <a:ext cx="2286000" cy="3524400"/>
+            </a:xfrm>
+            <a:prstGeom prst="roundRect">
+              <a:avLst>
+                <a:gd name="adj" fmla="val 5294"/>
+              </a:avLst>
+            </a:prstGeom>
+            <a:blipFill>
+              <a:blip r:embed="rId8">
+                <a:extLst>
+                  <a:ext uri="{BEBA8EAE-BF5A-486C-A8C5-ECC9F3942E4B}">
+                    <a14:imgProps xmlns:a14="http://schemas.microsoft.com/office/drawing/2010/main">
+                      <a14:imgLayer r:embed="rId9">
+                        <a14:imgEffect>
+                          <a14:artisticMarker/>
+                        </a14:imgEffect>
+                      </a14:imgLayer>
+                    </a14:imgProps>
+                  </a:ext>
+                  <a:ext uri="{28A0092B-C50C-407E-A947-70E740481C1C}">
+                    <a14:useLocalDpi xmlns:a14="http://schemas.microsoft.com/office/drawing/2010/main" val="0"/>
+                  </a:ext>
+                </a:extLst>
+              </a:blip>
+              <a:stretch>
+                <a:fillRect/>
+              </a:stretch>
+            </a:blipFill>
+            <a:ln>
+              <a:noFill/>
+            </a:ln>
+          </p:spPr>
+          <p:style>
+            <a:lnRef idx="2">
+              <a:schemeClr val="accent1">
+                <a:shade val="15000"/>
+              </a:schemeClr>
+            </a:lnRef>
+            <a:fillRef idx="1">
+              <a:schemeClr val="accent1"/>
+            </a:fillRef>
+            <a:effectRef idx="0">
+              <a:schemeClr val="accent1"/>
+            </a:effectRef>
+            <a:fontRef idx="minor">
+              <a:schemeClr val="lt1"/>
+            </a:fontRef>
+          </p:style>
+          <p:txBody>
+            <a:bodyPr rtlCol="0" anchor="ctr"/>
+            <a:lstStyle/>
+            <a:p>
+              <a:pPr algn="ctr"/>
+              <a:endParaRPr lang="ko-KR" altLang="en-US" b="1" dirty="0"/>
+            </a:p>
+          </p:txBody>
+        </p:sp>
+        <p:sp>
+          <p:nvSpPr>
+            <p:cNvPr id="8" name="TextBox 7">
+              <a:extLst>
+                <a:ext uri="{FF2B5EF4-FFF2-40B4-BE49-F238E27FC236}">
+                  <a16:creationId xmlns:a16="http://schemas.microsoft.com/office/drawing/2014/main" id="{CE2A834E-A366-D7EA-B268-BA0A15F241EB}"/>
+                </a:ext>
+              </a:extLst>
+            </p:cNvPr>
+            <p:cNvSpPr txBox="1"/>
+            <p:nvPr/>
+          </p:nvSpPr>
+          <p:spPr>
+            <a:xfrm rot="16200000">
+              <a:off x="7671055" y="2088698"/>
+              <a:ext cx="2432259" cy="276999"/>
+            </a:xfrm>
+            <a:prstGeom prst="rect">
+              <a:avLst/>
+            </a:prstGeom>
+            <a:noFill/>
+          </p:spPr>
+          <p:txBody>
+            <a:bodyPr wrap="square" rtlCol="0">
+              <a:spAutoFit/>
+            </a:bodyPr>
+            <a:lstStyle/>
+            <a:p>
+              <a:r>
+                <a:rPr lang="en-US" altLang="ko-KR" sz="1200" b="1" dirty="0">
+                  <a:latin typeface="한컴 말랑말랑 Regular" panose="020F0303000000000000" pitchFamily="50" charset="-127"/>
+                  <a:ea typeface="한컴 말랑말랑 Regular" panose="020F0303000000000000" pitchFamily="50" charset="-127"/>
+                </a:rPr>
+                <a:t>Destiny</a:t>
+              </a:r>
+              <a:endParaRPr lang="ko-KR" altLang="en-US" sz="1200" b="1" dirty="0">
+                <a:latin typeface="한컴 말랑말랑 Regular" panose="020F0303000000000000" pitchFamily="50" charset="-127"/>
+                <a:ea typeface="한컴 말랑말랑 Regular" panose="020F0303000000000000" pitchFamily="50" charset="-127"/>
+              </a:endParaRPr>
+            </a:p>
+          </p:txBody>
+        </p:sp>
+        <p:sp>
+          <p:nvSpPr>
+            <p:cNvPr id="17" name="직사각형 16">
+              <a:extLst>
+                <a:ext uri="{FF2B5EF4-FFF2-40B4-BE49-F238E27FC236}">
+                  <a16:creationId xmlns:a16="http://schemas.microsoft.com/office/drawing/2014/main" id="{3CB950A1-2940-F2A3-5F0C-3608F24DEFBD}"/>
+                </a:ext>
+              </a:extLst>
+            </p:cNvPr>
+            <p:cNvSpPr/>
+            <p:nvPr/>
+          </p:nvSpPr>
+          <p:spPr>
+            <a:xfrm>
+              <a:off x="8631400" y="68574"/>
+              <a:ext cx="457200" cy="426720"/>
+            </a:xfrm>
+            <a:prstGeom prst="rect">
+              <a:avLst/>
+            </a:prstGeom>
+            <a:solidFill>
+              <a:schemeClr val="bg1"/>
+            </a:solidFill>
+            <a:ln>
+              <a:noFill/>
+            </a:ln>
+          </p:spPr>
+          <p:style>
+            <a:lnRef idx="2">
+              <a:schemeClr val="accent1">
+                <a:shade val="15000"/>
+              </a:schemeClr>
+            </a:lnRef>
+            <a:fillRef idx="1">
+              <a:schemeClr val="accent1"/>
+            </a:fillRef>
+            <a:effectRef idx="0">
+              <a:schemeClr val="accent1"/>
+            </a:effectRef>
+            <a:fontRef idx="minor">
+              <a:schemeClr val="lt1"/>
+            </a:fontRef>
+          </p:style>
+          <p:txBody>
+            <a:bodyPr rtlCol="0" anchor="ctr"/>
+            <a:lstStyle/>
+            <a:p>
+              <a:pPr algn="ctr"/>
+              <a:endParaRPr lang="ko-KR" altLang="en-US"/>
+            </a:p>
+          </p:txBody>
+        </p:sp>
+        <p:sp>
+          <p:nvSpPr>
+            <p:cNvPr id="7" name="TextBox 6">
+              <a:extLst>
+                <a:ext uri="{FF2B5EF4-FFF2-40B4-BE49-F238E27FC236}">
+                  <a16:creationId xmlns:a16="http://schemas.microsoft.com/office/drawing/2014/main" id="{814CBF9D-310B-5654-E281-7DE6E3B7A2BE}"/>
+                </a:ext>
+              </a:extLst>
+            </p:cNvPr>
+            <p:cNvSpPr txBox="1"/>
+            <p:nvPr/>
+          </p:nvSpPr>
+          <p:spPr>
+            <a:xfrm>
+              <a:off x="8252012" y="143435"/>
+              <a:ext cx="758777" cy="276999"/>
+            </a:xfrm>
+            <a:prstGeom prst="rect">
+              <a:avLst/>
+            </a:prstGeom>
+            <a:noFill/>
+          </p:spPr>
+          <p:txBody>
+            <a:bodyPr wrap="square" rtlCol="0">
+              <a:spAutoFit/>
+            </a:bodyPr>
+            <a:lstStyle/>
+            <a:p>
+              <a:pPr algn="r"/>
+              <a:r>
+                <a:rPr lang="en-US" altLang="ko-KR" sz="1200" b="1">
+                  <a:latin typeface="한컴 말랑말랑 Regular" panose="020F0303000000000000" pitchFamily="50" charset="-127"/>
+                  <a:ea typeface="한컴 말랑말랑 Regular" panose="020F0303000000000000" pitchFamily="50" charset="-127"/>
+                </a:rPr>
+                <a:t>3</a:t>
+              </a:r>
+              <a:endParaRPr lang="ko-KR" altLang="en-US" sz="1200" b="1" dirty="0">
+                <a:latin typeface="한컴 말랑말랑 Regular" panose="020F0303000000000000" pitchFamily="50" charset="-127"/>
+                <a:ea typeface="한컴 말랑말랑 Regular" panose="020F0303000000000000" pitchFamily="50" charset="-127"/>
+              </a:endParaRPr>
+            </a:p>
+          </p:txBody>
+        </p:sp>
+      </p:grpSp>
+      <p:grpSp>
+        <p:nvGrpSpPr>
+          <p:cNvPr id="19" name="그룹 18">
+            <a:extLst>
+              <a:ext uri="{FF2B5EF4-FFF2-40B4-BE49-F238E27FC236}">
+                <a16:creationId xmlns:a16="http://schemas.microsoft.com/office/drawing/2014/main" id="{6A996530-F4BE-D7AD-7ABA-490DB59BB55A}"/>
+              </a:ext>
+            </a:extLst>
+          </p:cNvPr>
+          <p:cNvGrpSpPr/>
+          <p:nvPr/>
+        </p:nvGrpSpPr>
+        <p:grpSpPr>
+          <a:xfrm>
+            <a:off x="9144000" y="0"/>
+            <a:ext cx="2286000" cy="3524400"/>
+            <a:chOff x="6858000" y="0"/>
+            <a:chExt cx="2286000" cy="3524400"/>
+          </a:xfrm>
+        </p:grpSpPr>
+        <p:sp>
+          <p:nvSpPr>
+            <p:cNvPr id="20" name="사각형: 둥근 모서리 19">
+              <a:extLst>
+                <a:ext uri="{FF2B5EF4-FFF2-40B4-BE49-F238E27FC236}">
+                  <a16:creationId xmlns:a16="http://schemas.microsoft.com/office/drawing/2014/main" id="{ADC94FAD-6700-9970-F3C5-727F0E4EB634}"/>
+                </a:ext>
+              </a:extLst>
+            </p:cNvPr>
+            <p:cNvSpPr/>
+            <p:nvPr/>
+          </p:nvSpPr>
+          <p:spPr>
+            <a:xfrm>
+              <a:off x="6858000" y="0"/>
+              <a:ext cx="2286000" cy="3524400"/>
+            </a:xfrm>
+            <a:prstGeom prst="roundRect">
+              <a:avLst>
+                <a:gd name="adj" fmla="val 5294"/>
+              </a:avLst>
+            </a:prstGeom>
+            <a:blipFill>
+              <a:blip r:embed="rId10">
+                <a:extLst>
+                  <a:ext uri="{BEBA8EAE-BF5A-486C-A8C5-ECC9F3942E4B}">
+                    <a14:imgProps xmlns:a14="http://schemas.microsoft.com/office/drawing/2010/main">
+                      <a14:imgLayer r:embed="rId11">
+                        <a14:imgEffect>
+                          <a14:artisticMarker/>
+                        </a14:imgEffect>
+                      </a14:imgLayer>
+                    </a14:imgProps>
+                  </a:ext>
+                  <a:ext uri="{28A0092B-C50C-407E-A947-70E740481C1C}">
+                    <a14:useLocalDpi xmlns:a14="http://schemas.microsoft.com/office/drawing/2010/main" val="0"/>
+                  </a:ext>
+                </a:extLst>
+              </a:blip>
+              <a:stretch>
+                <a:fillRect/>
+              </a:stretch>
+            </a:blipFill>
+            <a:ln>
+              <a:noFill/>
+            </a:ln>
+          </p:spPr>
+          <p:style>
+            <a:lnRef idx="2">
+              <a:schemeClr val="accent1">
+                <a:shade val="15000"/>
+              </a:schemeClr>
+            </a:lnRef>
+            <a:fillRef idx="1">
+              <a:schemeClr val="accent1"/>
+            </a:fillRef>
+            <a:effectRef idx="0">
+              <a:schemeClr val="accent1"/>
+            </a:effectRef>
+            <a:fontRef idx="minor">
+              <a:schemeClr val="lt1"/>
+            </a:fontRef>
+          </p:style>
+          <p:txBody>
+            <a:bodyPr rtlCol="0" anchor="ctr"/>
+            <a:lstStyle/>
+            <a:p>
+              <a:pPr algn="ctr"/>
+              <a:endParaRPr lang="ko-KR" altLang="en-US" b="1" dirty="0"/>
+            </a:p>
+          </p:txBody>
+        </p:sp>
+        <p:sp>
+          <p:nvSpPr>
+            <p:cNvPr id="21" name="TextBox 20">
+              <a:extLst>
+                <a:ext uri="{FF2B5EF4-FFF2-40B4-BE49-F238E27FC236}">
+                  <a16:creationId xmlns:a16="http://schemas.microsoft.com/office/drawing/2014/main" id="{D63513E5-ED11-B0F0-6AD2-5B321E6F46E1}"/>
+                </a:ext>
+              </a:extLst>
+            </p:cNvPr>
+            <p:cNvSpPr txBox="1"/>
+            <p:nvPr/>
+          </p:nvSpPr>
+          <p:spPr>
+            <a:xfrm rot="16200000">
+              <a:off x="7671055" y="2088698"/>
+              <a:ext cx="2432259" cy="276999"/>
+            </a:xfrm>
+            <a:prstGeom prst="rect">
+              <a:avLst/>
+            </a:prstGeom>
+            <a:noFill/>
+          </p:spPr>
+          <p:txBody>
+            <a:bodyPr wrap="square" rtlCol="0">
+              <a:spAutoFit/>
+            </a:bodyPr>
+            <a:lstStyle/>
+            <a:p>
+              <a:r>
+                <a:rPr lang="en-US" altLang="ko-KR" sz="1200" b="1" dirty="0">
+                  <a:latin typeface="한컴 말랑말랑 Regular" panose="020F0303000000000000" pitchFamily="50" charset="-127"/>
+                  <a:ea typeface="한컴 말랑말랑 Regular" panose="020F0303000000000000" pitchFamily="50" charset="-127"/>
+                </a:rPr>
+                <a:t>Blossom</a:t>
+              </a:r>
+              <a:endParaRPr lang="ko-KR" altLang="en-US" sz="1200" b="1" dirty="0">
+                <a:latin typeface="한컴 말랑말랑 Regular" panose="020F0303000000000000" pitchFamily="50" charset="-127"/>
+                <a:ea typeface="한컴 말랑말랑 Regular" panose="020F0303000000000000" pitchFamily="50" charset="-127"/>
+              </a:endParaRPr>
+            </a:p>
+          </p:txBody>
+        </p:sp>
+        <p:sp>
+          <p:nvSpPr>
+            <p:cNvPr id="22" name="직사각형 21">
+              <a:extLst>
+                <a:ext uri="{FF2B5EF4-FFF2-40B4-BE49-F238E27FC236}">
+                  <a16:creationId xmlns:a16="http://schemas.microsoft.com/office/drawing/2014/main" id="{86FC6E95-C70C-9C3A-DD59-6A2F0E3D3B01}"/>
+                </a:ext>
+              </a:extLst>
+            </p:cNvPr>
+            <p:cNvSpPr/>
+            <p:nvPr/>
+          </p:nvSpPr>
+          <p:spPr>
+            <a:xfrm>
+              <a:off x="8631400" y="68574"/>
+              <a:ext cx="457200" cy="426720"/>
+            </a:xfrm>
+            <a:prstGeom prst="rect">
+              <a:avLst/>
+            </a:prstGeom>
+            <a:solidFill>
+              <a:schemeClr val="bg1"/>
+            </a:solidFill>
+            <a:ln>
+              <a:noFill/>
+            </a:ln>
+          </p:spPr>
+          <p:style>
+            <a:lnRef idx="2">
+              <a:schemeClr val="accent1">
+                <a:shade val="15000"/>
+              </a:schemeClr>
+            </a:lnRef>
+            <a:fillRef idx="1">
+              <a:schemeClr val="accent1"/>
+            </a:fillRef>
+            <a:effectRef idx="0">
+              <a:schemeClr val="accent1"/>
+            </a:effectRef>
+            <a:fontRef idx="minor">
+              <a:schemeClr val="lt1"/>
+            </a:fontRef>
+          </p:style>
+          <p:txBody>
+            <a:bodyPr rtlCol="0" anchor="ctr"/>
+            <a:lstStyle/>
+            <a:p>
+              <a:pPr algn="ctr"/>
+              <a:endParaRPr lang="ko-KR" altLang="en-US"/>
+            </a:p>
+          </p:txBody>
+        </p:sp>
+        <p:sp>
+          <p:nvSpPr>
+            <p:cNvPr id="23" name="TextBox 22">
+              <a:extLst>
+                <a:ext uri="{FF2B5EF4-FFF2-40B4-BE49-F238E27FC236}">
+                  <a16:creationId xmlns:a16="http://schemas.microsoft.com/office/drawing/2014/main" id="{FE852F89-8419-B33D-E046-E696E2DC9C9A}"/>
+                </a:ext>
+              </a:extLst>
+            </p:cNvPr>
+            <p:cNvSpPr txBox="1"/>
+            <p:nvPr/>
+          </p:nvSpPr>
+          <p:spPr>
+            <a:xfrm>
+              <a:off x="8252012" y="143435"/>
+              <a:ext cx="758777" cy="276999"/>
+            </a:xfrm>
+            <a:prstGeom prst="rect">
+              <a:avLst/>
+            </a:prstGeom>
+            <a:noFill/>
+          </p:spPr>
+          <p:txBody>
+            <a:bodyPr wrap="square" rtlCol="0">
+              <a:spAutoFit/>
+            </a:bodyPr>
+            <a:lstStyle/>
+            <a:p>
+              <a:pPr algn="r"/>
+              <a:r>
+                <a:rPr lang="en-US" altLang="ko-KR" sz="1200" b="1" dirty="0">
+                  <a:latin typeface="한컴 말랑말랑 Regular" panose="020F0303000000000000" pitchFamily="50" charset="-127"/>
+                  <a:ea typeface="한컴 말랑말랑 Regular" panose="020F0303000000000000" pitchFamily="50" charset="-127"/>
+                </a:rPr>
+                <a:t>4</a:t>
+              </a:r>
+              <a:endParaRPr lang="ko-KR" altLang="en-US" sz="1200" b="1" dirty="0">
+                <a:latin typeface="한컴 말랑말랑 Regular" panose="020F0303000000000000" pitchFamily="50" charset="-127"/>
+                <a:ea typeface="한컴 말랑말랑 Regular" panose="020F0303000000000000" pitchFamily="50" charset="-127"/>
+              </a:endParaRPr>
+            </a:p>
+          </p:txBody>
+        </p:sp>
+      </p:grpSp>
+      <p:grpSp>
+        <p:nvGrpSpPr>
+          <p:cNvPr id="24" name="그룹 23">
+            <a:extLst>
+              <a:ext uri="{FF2B5EF4-FFF2-40B4-BE49-F238E27FC236}">
+                <a16:creationId xmlns:a16="http://schemas.microsoft.com/office/drawing/2014/main" id="{A3AE17D8-7D02-73D7-6CBC-A9F2659E346E}"/>
+              </a:ext>
+            </a:extLst>
+          </p:cNvPr>
+          <p:cNvGrpSpPr/>
+          <p:nvPr/>
+        </p:nvGrpSpPr>
+        <p:grpSpPr>
+          <a:xfrm>
+            <a:off x="0" y="3333600"/>
+            <a:ext cx="2286000" cy="3524400"/>
+            <a:chOff x="7239159" y="770964"/>
+            <a:chExt cx="2286000" cy="3524400"/>
+          </a:xfrm>
+        </p:grpSpPr>
+        <p:sp>
+          <p:nvSpPr>
+            <p:cNvPr id="25" name="사각형: 둥근 모서리 24">
+              <a:extLst>
+                <a:ext uri="{FF2B5EF4-FFF2-40B4-BE49-F238E27FC236}">
+                  <a16:creationId xmlns:a16="http://schemas.microsoft.com/office/drawing/2014/main" id="{C9BCBD91-451A-4F54-DC03-936750454942}"/>
+                </a:ext>
+              </a:extLst>
+            </p:cNvPr>
+            <p:cNvSpPr/>
+            <p:nvPr/>
+          </p:nvSpPr>
+          <p:spPr>
+            <a:xfrm>
+              <a:off x="7239159" y="770964"/>
+              <a:ext cx="2286000" cy="3524400"/>
+            </a:xfrm>
+            <a:prstGeom prst="roundRect">
+              <a:avLst>
+                <a:gd name="adj" fmla="val 5294"/>
+              </a:avLst>
+            </a:prstGeom>
+            <a:blipFill>
+              <a:blip r:embed="rId12">
+                <a:extLst>
+                  <a:ext uri="{BEBA8EAE-BF5A-486C-A8C5-ECC9F3942E4B}">
+                    <a14:imgProps xmlns:a14="http://schemas.microsoft.com/office/drawing/2010/main">
+                      <a14:imgLayer r:embed="rId13">
+                        <a14:imgEffect>
+                          <a14:artisticMarker/>
+                        </a14:imgEffect>
+                      </a14:imgLayer>
+                    </a14:imgProps>
+                  </a:ext>
+                  <a:ext uri="{28A0092B-C50C-407E-A947-70E740481C1C}">
+                    <a14:useLocalDpi xmlns:a14="http://schemas.microsoft.com/office/drawing/2010/main" val="0"/>
+                  </a:ext>
+                </a:extLst>
+              </a:blip>
+              <a:stretch>
+                <a:fillRect/>
+              </a:stretch>
+            </a:blipFill>
+            <a:ln>
+              <a:noFill/>
+            </a:ln>
+          </p:spPr>
+          <p:style>
+            <a:lnRef idx="2">
+              <a:schemeClr val="accent1">
+                <a:shade val="15000"/>
+              </a:schemeClr>
+            </a:lnRef>
+            <a:fillRef idx="1">
+              <a:schemeClr val="accent1"/>
+            </a:fillRef>
+            <a:effectRef idx="0">
+              <a:schemeClr val="accent1"/>
+            </a:effectRef>
+            <a:fontRef idx="minor">
+              <a:schemeClr val="lt1"/>
+            </a:fontRef>
+          </p:style>
+          <p:txBody>
+            <a:bodyPr rtlCol="0" anchor="ctr"/>
+            <a:lstStyle/>
+            <a:p>
+              <a:pPr algn="ctr"/>
+              <a:endParaRPr lang="ko-KR" altLang="en-US" b="1" dirty="0"/>
+            </a:p>
+          </p:txBody>
+        </p:sp>
+        <p:sp>
+          <p:nvSpPr>
+            <p:cNvPr id="26" name="TextBox 25">
+              <a:extLst>
+                <a:ext uri="{FF2B5EF4-FFF2-40B4-BE49-F238E27FC236}">
+                  <a16:creationId xmlns:a16="http://schemas.microsoft.com/office/drawing/2014/main" id="{D2626F07-E229-058F-6687-94123D342454}"/>
+                </a:ext>
+              </a:extLst>
+            </p:cNvPr>
+            <p:cNvSpPr txBox="1"/>
+            <p:nvPr/>
+          </p:nvSpPr>
+          <p:spPr>
+            <a:xfrm>
+              <a:off x="8633171" y="914399"/>
+              <a:ext cx="758777" cy="276999"/>
+            </a:xfrm>
+            <a:prstGeom prst="rect">
+              <a:avLst/>
+            </a:prstGeom>
+            <a:noFill/>
+          </p:spPr>
+          <p:txBody>
+            <a:bodyPr wrap="square" rtlCol="0">
+              <a:spAutoFit/>
+            </a:bodyPr>
+            <a:lstStyle/>
+            <a:p>
+              <a:pPr algn="r"/>
+              <a:r>
+                <a:rPr lang="en-US" altLang="ko-KR" sz="1200" b="1" dirty="0">
+                  <a:latin typeface="한컴 말랑말랑 Regular" panose="020F0303000000000000" pitchFamily="50" charset="-127"/>
+                  <a:ea typeface="한컴 말랑말랑 Regular" panose="020F0303000000000000" pitchFamily="50" charset="-127"/>
+                </a:rPr>
+                <a:t>5</a:t>
+              </a:r>
+              <a:endParaRPr lang="ko-KR" altLang="en-US" sz="1200" b="1" dirty="0">
+                <a:latin typeface="한컴 말랑말랑 Regular" panose="020F0303000000000000" pitchFamily="50" charset="-127"/>
+                <a:ea typeface="한컴 말랑말랑 Regular" panose="020F0303000000000000" pitchFamily="50" charset="-127"/>
+              </a:endParaRPr>
+            </a:p>
+          </p:txBody>
+        </p:sp>
+        <p:sp>
+          <p:nvSpPr>
+            <p:cNvPr id="27" name="TextBox 26">
+              <a:extLst>
+                <a:ext uri="{FF2B5EF4-FFF2-40B4-BE49-F238E27FC236}">
+                  <a16:creationId xmlns:a16="http://schemas.microsoft.com/office/drawing/2014/main" id="{BDB093CB-540F-DAB7-6699-1726CC133EBC}"/>
+                </a:ext>
+              </a:extLst>
+            </p:cNvPr>
+            <p:cNvSpPr txBox="1"/>
+            <p:nvPr/>
+          </p:nvSpPr>
+          <p:spPr>
+            <a:xfrm rot="16200000">
+              <a:off x="8052214" y="2859662"/>
+              <a:ext cx="2432259" cy="276999"/>
+            </a:xfrm>
+            <a:prstGeom prst="rect">
+              <a:avLst/>
+            </a:prstGeom>
+            <a:noFill/>
+          </p:spPr>
+          <p:txBody>
+            <a:bodyPr wrap="square" rtlCol="0">
+              <a:spAutoFit/>
+            </a:bodyPr>
+            <a:lstStyle/>
+            <a:p>
+              <a:r>
+                <a:rPr lang="en-US" altLang="ko-KR" sz="1200" b="1" dirty="0">
+                  <a:latin typeface="한컴 말랑말랑 Regular" panose="020F0303000000000000" pitchFamily="50" charset="-127"/>
+                  <a:ea typeface="한컴 말랑말랑 Regular" panose="020F0303000000000000" pitchFamily="50" charset="-127"/>
+                </a:rPr>
+                <a:t>Heights</a:t>
+              </a:r>
+              <a:endParaRPr lang="ko-KR" altLang="en-US" sz="1200" b="1" dirty="0">
+                <a:latin typeface="한컴 말랑말랑 Regular" panose="020F0303000000000000" pitchFamily="50" charset="-127"/>
+                <a:ea typeface="한컴 말랑말랑 Regular" panose="020F0303000000000000" pitchFamily="50" charset="-127"/>
+              </a:endParaRPr>
+            </a:p>
+          </p:txBody>
+        </p:sp>
+      </p:grpSp>
+      <p:grpSp>
+        <p:nvGrpSpPr>
+          <p:cNvPr id="28" name="그룹 27">
+            <a:extLst>
+              <a:ext uri="{FF2B5EF4-FFF2-40B4-BE49-F238E27FC236}">
+                <a16:creationId xmlns:a16="http://schemas.microsoft.com/office/drawing/2014/main" id="{E8FD0F2A-294D-99CF-8BD1-1A90786F572E}"/>
+              </a:ext>
+            </a:extLst>
+          </p:cNvPr>
+          <p:cNvGrpSpPr/>
+          <p:nvPr/>
+        </p:nvGrpSpPr>
+        <p:grpSpPr>
+          <a:xfrm>
+            <a:off x="2286000" y="3333600"/>
+            <a:ext cx="2286000" cy="3524400"/>
+            <a:chOff x="7239159" y="770964"/>
+            <a:chExt cx="2286000" cy="3524400"/>
+          </a:xfrm>
+        </p:grpSpPr>
+        <p:sp>
+          <p:nvSpPr>
+            <p:cNvPr id="29" name="사각형: 둥근 모서리 28">
+              <a:extLst>
+                <a:ext uri="{FF2B5EF4-FFF2-40B4-BE49-F238E27FC236}">
+                  <a16:creationId xmlns:a16="http://schemas.microsoft.com/office/drawing/2014/main" id="{0E0FAF48-B881-F0B9-E746-BF5168EA0E1D}"/>
+                </a:ext>
+              </a:extLst>
+            </p:cNvPr>
+            <p:cNvSpPr/>
+            <p:nvPr/>
+          </p:nvSpPr>
+          <p:spPr>
+            <a:xfrm>
+              <a:off x="7239159" y="770964"/>
+              <a:ext cx="2286000" cy="3524400"/>
+            </a:xfrm>
+            <a:prstGeom prst="roundRect">
+              <a:avLst>
+                <a:gd name="adj" fmla="val 5294"/>
+              </a:avLst>
+            </a:prstGeom>
+            <a:blipFill>
+              <a:blip r:embed="rId14">
+                <a:extLst>
+                  <a:ext uri="{BEBA8EAE-BF5A-486C-A8C5-ECC9F3942E4B}">
+                    <a14:imgProps xmlns:a14="http://schemas.microsoft.com/office/drawing/2010/main">
+                      <a14:imgLayer r:embed="rId15">
+                        <a14:imgEffect>
+                          <a14:artisticMarker/>
+                        </a14:imgEffect>
+                      </a14:imgLayer>
+                    </a14:imgProps>
+                  </a:ext>
+                  <a:ext uri="{28A0092B-C50C-407E-A947-70E740481C1C}">
+                    <a14:useLocalDpi xmlns:a14="http://schemas.microsoft.com/office/drawing/2010/main" val="0"/>
+                  </a:ext>
+                </a:extLst>
+              </a:blip>
+              <a:stretch>
+                <a:fillRect/>
+              </a:stretch>
+            </a:blipFill>
+            <a:ln>
+              <a:noFill/>
+            </a:ln>
+          </p:spPr>
+          <p:style>
+            <a:lnRef idx="2">
+              <a:schemeClr val="accent1">
+                <a:shade val="15000"/>
+              </a:schemeClr>
+            </a:lnRef>
+            <a:fillRef idx="1">
+              <a:schemeClr val="accent1"/>
+            </a:fillRef>
+            <a:effectRef idx="0">
+              <a:schemeClr val="accent1"/>
+            </a:effectRef>
+            <a:fontRef idx="minor">
+              <a:schemeClr val="lt1"/>
+            </a:fontRef>
+          </p:style>
+          <p:txBody>
+            <a:bodyPr rtlCol="0" anchor="ctr"/>
+            <a:lstStyle/>
+            <a:p>
+              <a:pPr algn="ctr"/>
+              <a:endParaRPr lang="ko-KR" altLang="en-US" b="1" dirty="0"/>
+            </a:p>
+          </p:txBody>
+        </p:sp>
+        <p:sp>
+          <p:nvSpPr>
+            <p:cNvPr id="30" name="TextBox 29">
+              <a:extLst>
+                <a:ext uri="{FF2B5EF4-FFF2-40B4-BE49-F238E27FC236}">
+                  <a16:creationId xmlns:a16="http://schemas.microsoft.com/office/drawing/2014/main" id="{58421959-228F-6017-F361-6D31A3ABAE68}"/>
+                </a:ext>
+              </a:extLst>
+            </p:cNvPr>
+            <p:cNvSpPr txBox="1"/>
+            <p:nvPr/>
+          </p:nvSpPr>
+          <p:spPr>
+            <a:xfrm>
+              <a:off x="8633171" y="914399"/>
+              <a:ext cx="758777" cy="276999"/>
+            </a:xfrm>
+            <a:prstGeom prst="rect">
+              <a:avLst/>
+            </a:prstGeom>
+            <a:noFill/>
+          </p:spPr>
+          <p:txBody>
+            <a:bodyPr wrap="square" rtlCol="0">
+              <a:spAutoFit/>
+            </a:bodyPr>
+            <a:lstStyle/>
+            <a:p>
+              <a:pPr algn="r"/>
+              <a:r>
+                <a:rPr lang="en-US" altLang="ko-KR" sz="1200" b="1" dirty="0">
+                  <a:latin typeface="한컴 말랑말랑 Regular" panose="020F0303000000000000" pitchFamily="50" charset="-127"/>
+                  <a:ea typeface="한컴 말랑말랑 Regular" panose="020F0303000000000000" pitchFamily="50" charset="-127"/>
+                </a:rPr>
+                <a:t>6</a:t>
+              </a:r>
+              <a:endParaRPr lang="ko-KR" altLang="en-US" sz="1200" b="1" dirty="0">
+                <a:latin typeface="한컴 말랑말랑 Regular" panose="020F0303000000000000" pitchFamily="50" charset="-127"/>
+                <a:ea typeface="한컴 말랑말랑 Regular" panose="020F0303000000000000" pitchFamily="50" charset="-127"/>
+              </a:endParaRPr>
+            </a:p>
+          </p:txBody>
+        </p:sp>
+        <p:sp>
+          <p:nvSpPr>
+            <p:cNvPr id="31" name="TextBox 30">
+              <a:extLst>
+                <a:ext uri="{FF2B5EF4-FFF2-40B4-BE49-F238E27FC236}">
+                  <a16:creationId xmlns:a16="http://schemas.microsoft.com/office/drawing/2014/main" id="{FB23196F-267E-86BC-A83E-5166AC7A1D63}"/>
+                </a:ext>
+              </a:extLst>
+            </p:cNvPr>
+            <p:cNvSpPr txBox="1"/>
+            <p:nvPr/>
+          </p:nvSpPr>
+          <p:spPr>
+            <a:xfrm rot="16200000">
+              <a:off x="8052214" y="2859662"/>
+              <a:ext cx="2432259" cy="276999"/>
+            </a:xfrm>
+            <a:prstGeom prst="rect">
+              <a:avLst/>
+            </a:prstGeom>
+            <a:noFill/>
+          </p:spPr>
+          <p:txBody>
+            <a:bodyPr wrap="square" rtlCol="0">
+              <a:spAutoFit/>
+            </a:bodyPr>
+            <a:lstStyle/>
+            <a:p>
+              <a:r>
+                <a:rPr lang="en-US" altLang="ko-KR" sz="1200" b="1" dirty="0">
+                  <a:latin typeface="한컴 말랑말랑 Regular" panose="020F0303000000000000" pitchFamily="50" charset="-127"/>
+                  <a:ea typeface="한컴 말랑말랑 Regular" panose="020F0303000000000000" pitchFamily="50" charset="-127"/>
+                </a:rPr>
+                <a:t>Reward</a:t>
+              </a:r>
+              <a:endParaRPr lang="ko-KR" altLang="en-US" sz="1200" b="1" dirty="0">
+                <a:latin typeface="한컴 말랑말랑 Regular" panose="020F0303000000000000" pitchFamily="50" charset="-127"/>
+                <a:ea typeface="한컴 말랑말랑 Regular" panose="020F0303000000000000" pitchFamily="50" charset="-127"/>
+              </a:endParaRPr>
+            </a:p>
+          </p:txBody>
+        </p:sp>
+      </p:grpSp>
+      <p:grpSp>
+        <p:nvGrpSpPr>
+          <p:cNvPr id="32" name="그룹 31">
+            <a:extLst>
+              <a:ext uri="{FF2B5EF4-FFF2-40B4-BE49-F238E27FC236}">
+                <a16:creationId xmlns:a16="http://schemas.microsoft.com/office/drawing/2014/main" id="{C3CFE42E-1857-C726-1A79-AB7BAE6EC1ED}"/>
+              </a:ext>
+            </a:extLst>
+          </p:cNvPr>
+          <p:cNvGrpSpPr/>
+          <p:nvPr/>
+        </p:nvGrpSpPr>
+        <p:grpSpPr>
+          <a:xfrm>
+            <a:off x="4567355" y="3314183"/>
+            <a:ext cx="2286000" cy="3524400"/>
+            <a:chOff x="7239159" y="770964"/>
+            <a:chExt cx="2286000" cy="3524400"/>
+          </a:xfrm>
+        </p:grpSpPr>
+        <p:sp>
+          <p:nvSpPr>
+            <p:cNvPr id="33" name="사각형: 둥근 모서리 32">
+              <a:extLst>
+                <a:ext uri="{FF2B5EF4-FFF2-40B4-BE49-F238E27FC236}">
+                  <a16:creationId xmlns:a16="http://schemas.microsoft.com/office/drawing/2014/main" id="{7368AF80-2A0A-5FA2-6160-15930B442981}"/>
+                </a:ext>
+              </a:extLst>
+            </p:cNvPr>
+            <p:cNvSpPr/>
+            <p:nvPr/>
+          </p:nvSpPr>
+          <p:spPr>
+            <a:xfrm>
+              <a:off x="7239159" y="770964"/>
+              <a:ext cx="2286000" cy="3524400"/>
+            </a:xfrm>
+            <a:prstGeom prst="roundRect">
+              <a:avLst>
+                <a:gd name="adj" fmla="val 5294"/>
+              </a:avLst>
+            </a:prstGeom>
+            <a:blipFill>
+              <a:blip r:embed="rId16">
+                <a:extLst>
+                  <a:ext uri="{BEBA8EAE-BF5A-486C-A8C5-ECC9F3942E4B}">
+                    <a14:imgProps xmlns:a14="http://schemas.microsoft.com/office/drawing/2010/main">
+                      <a14:imgLayer r:embed="rId17">
+                        <a14:imgEffect>
+                          <a14:artisticMarker/>
+                        </a14:imgEffect>
+                      </a14:imgLayer>
+                    </a14:imgProps>
+                  </a:ext>
+                  <a:ext uri="{28A0092B-C50C-407E-A947-70E740481C1C}">
+                    <a14:useLocalDpi xmlns:a14="http://schemas.microsoft.com/office/drawing/2010/main" val="0"/>
+                  </a:ext>
+                </a:extLst>
+              </a:blip>
+              <a:stretch>
+                <a:fillRect/>
+              </a:stretch>
+            </a:blipFill>
+            <a:ln>
+              <a:noFill/>
+            </a:ln>
+          </p:spPr>
+          <p:style>
+            <a:lnRef idx="2">
+              <a:schemeClr val="accent1">
+                <a:shade val="15000"/>
+              </a:schemeClr>
+            </a:lnRef>
+            <a:fillRef idx="1">
+              <a:schemeClr val="accent1"/>
+            </a:fillRef>
+            <a:effectRef idx="0">
+              <a:schemeClr val="accent1"/>
+            </a:effectRef>
+            <a:fontRef idx="minor">
+              <a:schemeClr val="lt1"/>
+            </a:fontRef>
+          </p:style>
+          <p:txBody>
+            <a:bodyPr rtlCol="0" anchor="ctr"/>
+            <a:lstStyle/>
+            <a:p>
+              <a:pPr algn="ctr"/>
+              <a:endParaRPr lang="ko-KR" altLang="en-US" b="1" dirty="0"/>
+            </a:p>
+          </p:txBody>
+        </p:sp>
+        <p:sp>
+          <p:nvSpPr>
+            <p:cNvPr id="34" name="TextBox 33">
+              <a:extLst>
+                <a:ext uri="{FF2B5EF4-FFF2-40B4-BE49-F238E27FC236}">
+                  <a16:creationId xmlns:a16="http://schemas.microsoft.com/office/drawing/2014/main" id="{9A8D9884-7B53-ED52-C189-9C1B1F846272}"/>
+                </a:ext>
+              </a:extLst>
+            </p:cNvPr>
+            <p:cNvSpPr txBox="1"/>
+            <p:nvPr/>
+          </p:nvSpPr>
+          <p:spPr>
+            <a:xfrm>
+              <a:off x="8633171" y="914399"/>
+              <a:ext cx="758777" cy="276999"/>
+            </a:xfrm>
+            <a:prstGeom prst="rect">
+              <a:avLst/>
+            </a:prstGeom>
+            <a:noFill/>
+          </p:spPr>
+          <p:txBody>
+            <a:bodyPr wrap="square" rtlCol="0">
+              <a:spAutoFit/>
+            </a:bodyPr>
+            <a:lstStyle/>
+            <a:p>
+              <a:pPr algn="r"/>
+              <a:r>
+                <a:rPr lang="en-US" altLang="ko-KR" sz="1200" b="1" dirty="0">
+                  <a:latin typeface="한컴 말랑말랑 Regular" panose="020F0303000000000000" pitchFamily="50" charset="-127"/>
+                  <a:ea typeface="한컴 말랑말랑 Regular" panose="020F0303000000000000" pitchFamily="50" charset="-127"/>
+                </a:rPr>
+                <a:t>7</a:t>
+              </a:r>
+              <a:endParaRPr lang="ko-KR" altLang="en-US" sz="1200" b="1" dirty="0">
+                <a:latin typeface="한컴 말랑말랑 Regular" panose="020F0303000000000000" pitchFamily="50" charset="-127"/>
+                <a:ea typeface="한컴 말랑말랑 Regular" panose="020F0303000000000000" pitchFamily="50" charset="-127"/>
+              </a:endParaRPr>
+            </a:p>
+          </p:txBody>
+        </p:sp>
+        <p:sp>
+          <p:nvSpPr>
+            <p:cNvPr id="35" name="TextBox 34">
+              <a:extLst>
+                <a:ext uri="{FF2B5EF4-FFF2-40B4-BE49-F238E27FC236}">
+                  <a16:creationId xmlns:a16="http://schemas.microsoft.com/office/drawing/2014/main" id="{5E6BEBE8-E70A-91E0-308F-CBC7DAE26E20}"/>
+                </a:ext>
+              </a:extLst>
+            </p:cNvPr>
+            <p:cNvSpPr txBox="1"/>
+            <p:nvPr/>
+          </p:nvSpPr>
+          <p:spPr>
+            <a:xfrm rot="16200000">
+              <a:off x="8058119" y="2879079"/>
+              <a:ext cx="2432259" cy="276999"/>
+            </a:xfrm>
+            <a:prstGeom prst="rect">
+              <a:avLst/>
+            </a:prstGeom>
+            <a:noFill/>
+          </p:spPr>
+          <p:txBody>
+            <a:bodyPr wrap="square" rtlCol="0">
+              <a:spAutoFit/>
+            </a:bodyPr>
+            <a:lstStyle/>
+            <a:p>
+              <a:r>
+                <a:rPr lang="en-US" altLang="ko-KR" sz="1200" b="1" dirty="0">
+                  <a:latin typeface="한컴 말랑말랑 Regular" panose="020F0303000000000000" pitchFamily="50" charset="-127"/>
+                  <a:ea typeface="한컴 말랑말랑 Regular" panose="020F0303000000000000" pitchFamily="50" charset="-127"/>
+                </a:rPr>
+                <a:t>Fidelity</a:t>
+              </a:r>
+              <a:endParaRPr lang="ko-KR" altLang="en-US" sz="1200" b="1" dirty="0">
+                <a:latin typeface="한컴 말랑말랑 Regular" panose="020F0303000000000000" pitchFamily="50" charset="-127"/>
+                <a:ea typeface="한컴 말랑말랑 Regular" panose="020F0303000000000000" pitchFamily="50" charset="-127"/>
+              </a:endParaRPr>
+            </a:p>
+          </p:txBody>
+        </p:sp>
+      </p:grpSp>
+      <p:grpSp>
+        <p:nvGrpSpPr>
+          <p:cNvPr id="36" name="그룹 35">
+            <a:extLst>
+              <a:ext uri="{FF2B5EF4-FFF2-40B4-BE49-F238E27FC236}">
+                <a16:creationId xmlns:a16="http://schemas.microsoft.com/office/drawing/2014/main" id="{8DF78EFB-05A9-3B0B-23A2-7C16D716C422}"/>
+              </a:ext>
+            </a:extLst>
+          </p:cNvPr>
+          <p:cNvGrpSpPr/>
+          <p:nvPr/>
+        </p:nvGrpSpPr>
+        <p:grpSpPr>
+          <a:xfrm>
+            <a:off x="6899953" y="3314183"/>
+            <a:ext cx="2286000" cy="3524400"/>
+            <a:chOff x="7239159" y="770964"/>
+            <a:chExt cx="2286000" cy="3524400"/>
+          </a:xfrm>
+        </p:grpSpPr>
+        <p:sp>
+          <p:nvSpPr>
+            <p:cNvPr id="37" name="사각형: 둥근 모서리 36">
+              <a:extLst>
+                <a:ext uri="{FF2B5EF4-FFF2-40B4-BE49-F238E27FC236}">
+                  <a16:creationId xmlns:a16="http://schemas.microsoft.com/office/drawing/2014/main" id="{D712670F-1CA4-2A9C-7EA6-A94C1F037454}"/>
+                </a:ext>
+              </a:extLst>
+            </p:cNvPr>
+            <p:cNvSpPr/>
+            <p:nvPr/>
+          </p:nvSpPr>
+          <p:spPr>
+            <a:xfrm>
+              <a:off x="7239159" y="770964"/>
+              <a:ext cx="2286000" cy="3524400"/>
+            </a:xfrm>
+            <a:prstGeom prst="roundRect">
+              <a:avLst>
+                <a:gd name="adj" fmla="val 5294"/>
+              </a:avLst>
+            </a:prstGeom>
+            <a:blipFill>
+              <a:blip r:embed="rId18">
+                <a:extLst>
+                  <a:ext uri="{BEBA8EAE-BF5A-486C-A8C5-ECC9F3942E4B}">
+                    <a14:imgProps xmlns:a14="http://schemas.microsoft.com/office/drawing/2010/main">
+                      <a14:imgLayer r:embed="rId19">
+                        <a14:imgEffect>
+                          <a14:artisticMarker/>
+                        </a14:imgEffect>
+                      </a14:imgLayer>
+                    </a14:imgProps>
+                  </a:ext>
+                  <a:ext uri="{28A0092B-C50C-407E-A947-70E740481C1C}">
+                    <a14:useLocalDpi xmlns:a14="http://schemas.microsoft.com/office/drawing/2010/main" val="0"/>
+                  </a:ext>
+                </a:extLst>
+              </a:blip>
+              <a:stretch>
+                <a:fillRect/>
+              </a:stretch>
+            </a:blipFill>
+            <a:ln>
+              <a:noFill/>
+            </a:ln>
+          </p:spPr>
+          <p:style>
+            <a:lnRef idx="2">
+              <a:schemeClr val="accent1">
+                <a:shade val="15000"/>
+              </a:schemeClr>
+            </a:lnRef>
+            <a:fillRef idx="1">
+              <a:schemeClr val="accent1"/>
+            </a:fillRef>
+            <a:effectRef idx="0">
+              <a:schemeClr val="accent1"/>
+            </a:effectRef>
+            <a:fontRef idx="minor">
+              <a:schemeClr val="lt1"/>
+            </a:fontRef>
+          </p:style>
+          <p:txBody>
+            <a:bodyPr rtlCol="0" anchor="ctr"/>
+            <a:lstStyle/>
+            <a:p>
+              <a:pPr algn="ctr"/>
+              <a:endParaRPr lang="ko-KR" altLang="en-US" b="1" dirty="0"/>
+            </a:p>
+          </p:txBody>
+        </p:sp>
+        <p:sp>
+          <p:nvSpPr>
+            <p:cNvPr id="38" name="TextBox 37">
+              <a:extLst>
+                <a:ext uri="{FF2B5EF4-FFF2-40B4-BE49-F238E27FC236}">
+                  <a16:creationId xmlns:a16="http://schemas.microsoft.com/office/drawing/2014/main" id="{E49F666F-1DAF-00CC-DD31-DF9DEB38557C}"/>
+                </a:ext>
+              </a:extLst>
+            </p:cNvPr>
+            <p:cNvSpPr txBox="1"/>
+            <p:nvPr/>
+          </p:nvSpPr>
+          <p:spPr>
+            <a:xfrm>
+              <a:off x="8633171" y="914399"/>
+              <a:ext cx="758777" cy="276999"/>
+            </a:xfrm>
+            <a:prstGeom prst="rect">
+              <a:avLst/>
+            </a:prstGeom>
+            <a:noFill/>
+          </p:spPr>
+          <p:txBody>
+            <a:bodyPr wrap="square" rtlCol="0">
+              <a:spAutoFit/>
+            </a:bodyPr>
+            <a:lstStyle/>
+            <a:p>
+              <a:pPr algn="r"/>
+              <a:r>
+                <a:rPr lang="en-US" altLang="ko-KR" sz="1200" b="1" dirty="0">
+                  <a:latin typeface="한컴 말랑말랑 Regular" panose="020F0303000000000000" pitchFamily="50" charset="-127"/>
+                  <a:ea typeface="한컴 말랑말랑 Regular" panose="020F0303000000000000" pitchFamily="50" charset="-127"/>
+                </a:rPr>
+                <a:t>8</a:t>
+              </a:r>
+              <a:endParaRPr lang="ko-KR" altLang="en-US" sz="1200" b="1" dirty="0">
+                <a:latin typeface="한컴 말랑말랑 Regular" panose="020F0303000000000000" pitchFamily="50" charset="-127"/>
+                <a:ea typeface="한컴 말랑말랑 Regular" panose="020F0303000000000000" pitchFamily="50" charset="-127"/>
+              </a:endParaRPr>
+            </a:p>
+          </p:txBody>
+        </p:sp>
+        <p:sp>
+          <p:nvSpPr>
+            <p:cNvPr id="39" name="TextBox 38">
+              <a:extLst>
+                <a:ext uri="{FF2B5EF4-FFF2-40B4-BE49-F238E27FC236}">
+                  <a16:creationId xmlns:a16="http://schemas.microsoft.com/office/drawing/2014/main" id="{80C03B21-FE38-1D30-D57C-D2492DE6829D}"/>
+                </a:ext>
+              </a:extLst>
+            </p:cNvPr>
+            <p:cNvSpPr txBox="1"/>
+            <p:nvPr/>
+          </p:nvSpPr>
+          <p:spPr>
+            <a:xfrm rot="16200000">
+              <a:off x="8058119" y="2879079"/>
+              <a:ext cx="2432259" cy="276999"/>
+            </a:xfrm>
+            <a:prstGeom prst="rect">
+              <a:avLst/>
+            </a:prstGeom>
+            <a:noFill/>
+          </p:spPr>
+          <p:txBody>
+            <a:bodyPr wrap="square" rtlCol="0">
+              <a:spAutoFit/>
+            </a:bodyPr>
+            <a:lstStyle/>
+            <a:p>
+              <a:r>
+                <a:rPr lang="en-US" altLang="ko-KR" sz="1200" b="1" dirty="0" err="1">
+                  <a:latin typeface="한컴 말랑말랑 Regular" panose="020F0303000000000000" pitchFamily="50" charset="-127"/>
+                  <a:ea typeface="한컴 말랑말랑 Regular" panose="020F0303000000000000" pitchFamily="50" charset="-127"/>
+                </a:rPr>
+                <a:t>Honours</a:t>
+              </a:r>
+              <a:endParaRPr lang="ko-KR" altLang="en-US" sz="1200" b="1" dirty="0">
+                <a:latin typeface="한컴 말랑말랑 Regular" panose="020F0303000000000000" pitchFamily="50" charset="-127"/>
+                <a:ea typeface="한컴 말랑말랑 Regular" panose="020F0303000000000000" pitchFamily="50" charset="-127"/>
+              </a:endParaRPr>
+            </a:p>
+          </p:txBody>
+        </p:sp>
+      </p:grpSp>
+      <p:grpSp>
+        <p:nvGrpSpPr>
+          <p:cNvPr id="44" name="그룹 43">
+            <a:extLst>
+              <a:ext uri="{FF2B5EF4-FFF2-40B4-BE49-F238E27FC236}">
+                <a16:creationId xmlns:a16="http://schemas.microsoft.com/office/drawing/2014/main" id="{28D41053-534A-B40A-5A15-E3DFD8F4A240}"/>
+              </a:ext>
+            </a:extLst>
+          </p:cNvPr>
+          <p:cNvGrpSpPr/>
+          <p:nvPr/>
+        </p:nvGrpSpPr>
+        <p:grpSpPr>
+          <a:xfrm>
+            <a:off x="9262315" y="3314183"/>
+            <a:ext cx="2286000" cy="3524400"/>
+            <a:chOff x="7239159" y="770964"/>
+            <a:chExt cx="2286000" cy="3524400"/>
+          </a:xfrm>
+        </p:grpSpPr>
+        <p:sp>
+          <p:nvSpPr>
+            <p:cNvPr id="45" name="사각형: 둥근 모서리 44">
+              <a:extLst>
+                <a:ext uri="{FF2B5EF4-FFF2-40B4-BE49-F238E27FC236}">
+                  <a16:creationId xmlns:a16="http://schemas.microsoft.com/office/drawing/2014/main" id="{7C032840-AF17-FC00-E416-ABE35CF9D02B}"/>
+                </a:ext>
+              </a:extLst>
+            </p:cNvPr>
+            <p:cNvSpPr/>
+            <p:nvPr/>
+          </p:nvSpPr>
+          <p:spPr>
+            <a:xfrm>
+              <a:off x="7239159" y="770964"/>
+              <a:ext cx="2286000" cy="3524400"/>
+            </a:xfrm>
+            <a:prstGeom prst="roundRect">
+              <a:avLst>
+                <a:gd name="adj" fmla="val 5294"/>
+              </a:avLst>
+            </a:prstGeom>
+            <a:blipFill>
+              <a:blip r:embed="rId20">
+                <a:extLst>
+                  <a:ext uri="{BEBA8EAE-BF5A-486C-A8C5-ECC9F3942E4B}">
+                    <a14:imgProps xmlns:a14="http://schemas.microsoft.com/office/drawing/2010/main">
+                      <a14:imgLayer r:embed="rId21">
+                        <a14:imgEffect>
+                          <a14:artisticMarker/>
+                        </a14:imgEffect>
+                      </a14:imgLayer>
+                    </a14:imgProps>
+                  </a:ext>
+                  <a:ext uri="{28A0092B-C50C-407E-A947-70E740481C1C}">
+                    <a14:useLocalDpi xmlns:a14="http://schemas.microsoft.com/office/drawing/2010/main" val="0"/>
+                  </a:ext>
+                </a:extLst>
+              </a:blip>
+              <a:stretch>
+                <a:fillRect/>
+              </a:stretch>
+            </a:blipFill>
+            <a:ln>
+              <a:noFill/>
+            </a:ln>
+          </p:spPr>
+          <p:style>
+            <a:lnRef idx="2">
+              <a:schemeClr val="accent1">
+                <a:shade val="15000"/>
+              </a:schemeClr>
+            </a:lnRef>
+            <a:fillRef idx="1">
+              <a:schemeClr val="accent1"/>
+            </a:fillRef>
+            <a:effectRef idx="0">
+              <a:schemeClr val="accent1"/>
+            </a:effectRef>
+            <a:fontRef idx="minor">
+              <a:schemeClr val="lt1"/>
+            </a:fontRef>
+          </p:style>
+          <p:txBody>
+            <a:bodyPr rtlCol="0" anchor="ctr"/>
+            <a:lstStyle/>
+            <a:p>
+              <a:pPr algn="ctr"/>
+              <a:endParaRPr lang="ko-KR" altLang="en-US" b="1" dirty="0"/>
+            </a:p>
+          </p:txBody>
+        </p:sp>
+        <p:sp>
+          <p:nvSpPr>
+            <p:cNvPr id="46" name="TextBox 45">
+              <a:extLst>
+                <a:ext uri="{FF2B5EF4-FFF2-40B4-BE49-F238E27FC236}">
+                  <a16:creationId xmlns:a16="http://schemas.microsoft.com/office/drawing/2014/main" id="{DA3F053C-5C19-F96F-D093-ADCAE9A16112}"/>
+                </a:ext>
+              </a:extLst>
+            </p:cNvPr>
+            <p:cNvSpPr txBox="1"/>
+            <p:nvPr/>
+          </p:nvSpPr>
+          <p:spPr>
+            <a:xfrm>
+              <a:off x="8633171" y="914399"/>
+              <a:ext cx="758777" cy="276999"/>
+            </a:xfrm>
+            <a:prstGeom prst="rect">
+              <a:avLst/>
+            </a:prstGeom>
+            <a:noFill/>
+          </p:spPr>
+          <p:txBody>
+            <a:bodyPr wrap="square" rtlCol="0">
+              <a:spAutoFit/>
+            </a:bodyPr>
+            <a:lstStyle/>
+            <a:p>
+              <a:pPr algn="r"/>
+              <a:r>
+                <a:rPr lang="en-US" altLang="ko-KR" sz="1200" b="1" dirty="0">
+                  <a:latin typeface="한컴 말랑말랑 Regular" panose="020F0303000000000000" pitchFamily="50" charset="-127"/>
+                  <a:ea typeface="한컴 말랑말랑 Regular" panose="020F0303000000000000" pitchFamily="50" charset="-127"/>
+                </a:rPr>
+                <a:t>9</a:t>
+              </a:r>
+              <a:endParaRPr lang="ko-KR" altLang="en-US" sz="1200" b="1" dirty="0">
+                <a:latin typeface="한컴 말랑말랑 Regular" panose="020F0303000000000000" pitchFamily="50" charset="-127"/>
+                <a:ea typeface="한컴 말랑말랑 Regular" panose="020F0303000000000000" pitchFamily="50" charset="-127"/>
+              </a:endParaRPr>
+            </a:p>
+          </p:txBody>
+        </p:sp>
+        <p:sp>
+          <p:nvSpPr>
+            <p:cNvPr id="47" name="TextBox 46">
+              <a:extLst>
+                <a:ext uri="{FF2B5EF4-FFF2-40B4-BE49-F238E27FC236}">
+                  <a16:creationId xmlns:a16="http://schemas.microsoft.com/office/drawing/2014/main" id="{DE83FB0C-469B-8D27-B524-A236B57BE306}"/>
+                </a:ext>
+              </a:extLst>
+            </p:cNvPr>
+            <p:cNvSpPr txBox="1"/>
+            <p:nvPr/>
+          </p:nvSpPr>
+          <p:spPr>
+            <a:xfrm rot="16200000">
+              <a:off x="8052214" y="2859662"/>
+              <a:ext cx="2432259" cy="276999"/>
+            </a:xfrm>
+            <a:prstGeom prst="rect">
+              <a:avLst/>
+            </a:prstGeom>
+            <a:noFill/>
+          </p:spPr>
+          <p:txBody>
+            <a:bodyPr wrap="square" rtlCol="0">
+              <a:spAutoFit/>
+            </a:bodyPr>
+            <a:lstStyle/>
+            <a:p>
+              <a:r>
+                <a:rPr lang="en-US" altLang="ko-KR" sz="1200" b="1" dirty="0">
+                  <a:latin typeface="한컴 말랑말랑 Regular" panose="020F0303000000000000" pitchFamily="50" charset="-127"/>
+                  <a:ea typeface="한컴 말랑말랑 Regular" panose="020F0303000000000000" pitchFamily="50" charset="-127"/>
+                </a:rPr>
+                <a:t>Gifts</a:t>
               </a:r>
               <a:endParaRPr lang="ko-KR" altLang="en-US" sz="1200" b="1" dirty="0">
                 <a:latin typeface="한컴 말랑말랑 Regular" panose="020F0303000000000000" pitchFamily="50" charset="-127"/>
@@ -5696,6 +7057,310 @@
     <p:extLst>
       <p:ext uri="{BB962C8B-B14F-4D97-AF65-F5344CB8AC3E}">
         <p14:creationId xmlns:p14="http://schemas.microsoft.com/office/powerpoint/2010/main" val="1704624364"/>
+      </p:ext>
+    </p:extLst>
+  </p:cSld>
+  <p:clrMapOvr>
+    <a:masterClrMapping/>
+  </p:clrMapOvr>
+</p:sld>
+</file>
+
+<file path=ppt/slides/slide4.xml><?xml version="1.0" encoding="utf-8"?>
+<p:sld xmlns:a="http://schemas.openxmlformats.org/drawingml/2006/main" xmlns:r="http://schemas.openxmlformats.org/officeDocument/2006/relationships" xmlns:p="http://schemas.openxmlformats.org/presentationml/2006/main">
+  <p:cSld>
+    <p:spTree>
+      <p:nvGrpSpPr>
+        <p:cNvPr id="1" name=""/>
+        <p:cNvGrpSpPr/>
+        <p:nvPr/>
+      </p:nvGrpSpPr>
+      <p:grpSpPr>
+        <a:xfrm>
+          <a:off x="0" y="0"/>
+          <a:ext cx="0" cy="0"/>
+          <a:chOff x="0" y="0"/>
+          <a:chExt cx="0" cy="0"/>
+        </a:xfrm>
+      </p:grpSpPr>
+      <p:sp>
+        <p:nvSpPr>
+          <p:cNvPr id="2" name="제목 1">
+            <a:extLst>
+              <a:ext uri="{FF2B5EF4-FFF2-40B4-BE49-F238E27FC236}">
+                <a16:creationId xmlns:a16="http://schemas.microsoft.com/office/drawing/2014/main" id="{042F57F5-1ADB-8CF6-5133-90F059B53130}"/>
+              </a:ext>
+            </a:extLst>
+          </p:cNvPr>
+          <p:cNvSpPr>
+            <a:spLocks noGrp="1"/>
+          </p:cNvSpPr>
+          <p:nvPr>
+            <p:ph type="title"/>
+          </p:nvPr>
+        </p:nvSpPr>
+        <p:spPr/>
+        <p:txBody>
+          <a:bodyPr/>
+          <a:lstStyle/>
+          <a:p>
+            <a:endParaRPr lang="ko-KR" altLang="en-US"/>
+          </a:p>
+        </p:txBody>
+      </p:sp>
+      <p:sp>
+        <p:nvSpPr>
+          <p:cNvPr id="3" name="내용 개체 틀 2">
+            <a:extLst>
+              <a:ext uri="{FF2B5EF4-FFF2-40B4-BE49-F238E27FC236}">
+                <a16:creationId xmlns:a16="http://schemas.microsoft.com/office/drawing/2014/main" id="{9EBC2AF3-4181-4C11-5EEA-60F7038EE827}"/>
+              </a:ext>
+            </a:extLst>
+          </p:cNvPr>
+          <p:cNvSpPr>
+            <a:spLocks noGrp="1"/>
+          </p:cNvSpPr>
+          <p:nvPr>
+            <p:ph idx="1"/>
+          </p:nvPr>
+        </p:nvSpPr>
+        <p:spPr/>
+        <p:txBody>
+          <a:bodyPr/>
+          <a:lstStyle/>
+          <a:p>
+            <a:endParaRPr lang="ko-KR" altLang="en-US"/>
+          </a:p>
+        </p:txBody>
+      </p:sp>
+      <p:sp>
+        <p:nvSpPr>
+          <p:cNvPr id="4" name="직사각형 3">
+            <a:extLst>
+              <a:ext uri="{FF2B5EF4-FFF2-40B4-BE49-F238E27FC236}">
+                <a16:creationId xmlns:a16="http://schemas.microsoft.com/office/drawing/2014/main" id="{9E208959-C97B-C03E-0874-CB52AD3669C0}"/>
+              </a:ext>
+            </a:extLst>
+          </p:cNvPr>
+          <p:cNvSpPr/>
+          <p:nvPr/>
+        </p:nvSpPr>
+        <p:spPr>
+          <a:xfrm>
+            <a:off x="0" y="0"/>
+            <a:ext cx="12192000" cy="6858000"/>
+          </a:xfrm>
+          <a:prstGeom prst="rect">
+            <a:avLst/>
+          </a:prstGeom>
+        </p:spPr>
+        <p:style>
+          <a:lnRef idx="2">
+            <a:schemeClr val="accent1">
+              <a:shade val="15000"/>
+            </a:schemeClr>
+          </a:lnRef>
+          <a:fillRef idx="1">
+            <a:schemeClr val="accent1"/>
+          </a:fillRef>
+          <a:effectRef idx="0">
+            <a:schemeClr val="accent1"/>
+          </a:effectRef>
+          <a:fontRef idx="minor">
+            <a:schemeClr val="lt1"/>
+          </a:fontRef>
+        </p:style>
+        <p:txBody>
+          <a:bodyPr rtlCol="0" anchor="ctr"/>
+          <a:lstStyle/>
+          <a:p>
+            <a:pPr algn="ctr"/>
+            <a:endParaRPr lang="ko-KR" altLang="en-US"/>
+          </a:p>
+        </p:txBody>
+      </p:sp>
+      <p:grpSp>
+        <p:nvGrpSpPr>
+          <p:cNvPr id="5" name="그룹 4">
+            <a:extLst>
+              <a:ext uri="{FF2B5EF4-FFF2-40B4-BE49-F238E27FC236}">
+                <a16:creationId xmlns:a16="http://schemas.microsoft.com/office/drawing/2014/main" id="{67479BA2-BB16-CDF6-5129-410D08C3A906}"/>
+              </a:ext>
+            </a:extLst>
+          </p:cNvPr>
+          <p:cNvGrpSpPr/>
+          <p:nvPr/>
+        </p:nvGrpSpPr>
+        <p:grpSpPr>
+          <a:xfrm>
+            <a:off x="0" y="-4043"/>
+            <a:ext cx="2286000" cy="3524400"/>
+            <a:chOff x="7239159" y="770964"/>
+            <a:chExt cx="2286000" cy="3524400"/>
+          </a:xfrm>
+        </p:grpSpPr>
+        <p:sp>
+          <p:nvSpPr>
+            <p:cNvPr id="6" name="사각형: 둥근 모서리 5">
+              <a:extLst>
+                <a:ext uri="{FF2B5EF4-FFF2-40B4-BE49-F238E27FC236}">
+                  <a16:creationId xmlns:a16="http://schemas.microsoft.com/office/drawing/2014/main" id="{B64B5C2E-EFA7-FFBF-527E-711B655DD6CC}"/>
+                </a:ext>
+              </a:extLst>
+            </p:cNvPr>
+            <p:cNvSpPr/>
+            <p:nvPr/>
+          </p:nvSpPr>
+          <p:spPr>
+            <a:xfrm>
+              <a:off x="7239159" y="770964"/>
+              <a:ext cx="2286000" cy="3524400"/>
+            </a:xfrm>
+            <a:prstGeom prst="roundRect">
+              <a:avLst>
+                <a:gd name="adj" fmla="val 5294"/>
+              </a:avLst>
+            </a:prstGeom>
+            <a:blipFill>
+              <a:blip r:embed="rId2">
+                <a:extLst>
+                  <a:ext uri="{BEBA8EAE-BF5A-486C-A8C5-ECC9F3942E4B}">
+                    <a14:imgProps xmlns:a14="http://schemas.microsoft.com/office/drawing/2010/main">
+                      <a14:imgLayer r:embed="rId3">
+                        <a14:imgEffect>
+                          <a14:artisticMarker/>
+                        </a14:imgEffect>
+                      </a14:imgLayer>
+                    </a14:imgProps>
+                  </a:ext>
+                  <a:ext uri="{28A0092B-C50C-407E-A947-70E740481C1C}">
+                    <a14:useLocalDpi xmlns:a14="http://schemas.microsoft.com/office/drawing/2010/main" val="0"/>
+                  </a:ext>
+                </a:extLst>
+              </a:blip>
+              <a:stretch>
+                <a:fillRect/>
+              </a:stretch>
+            </a:blipFill>
+            <a:ln>
+              <a:noFill/>
+            </a:ln>
+          </p:spPr>
+          <p:style>
+            <a:lnRef idx="2">
+              <a:schemeClr val="accent1">
+                <a:shade val="15000"/>
+              </a:schemeClr>
+            </a:lnRef>
+            <a:fillRef idx="1">
+              <a:schemeClr val="accent1"/>
+            </a:fillRef>
+            <a:effectRef idx="0">
+              <a:schemeClr val="accent1"/>
+            </a:effectRef>
+            <a:fontRef idx="minor">
+              <a:schemeClr val="lt1"/>
+            </a:fontRef>
+          </p:style>
+          <p:txBody>
+            <a:bodyPr rtlCol="0" anchor="ctr"/>
+            <a:lstStyle/>
+            <a:p>
+              <a:pPr algn="ctr"/>
+              <a:endParaRPr lang="ko-KR" altLang="en-US" b="1" dirty="0"/>
+            </a:p>
+          </p:txBody>
+        </p:sp>
+        <p:sp>
+          <p:nvSpPr>
+            <p:cNvPr id="7" name="TextBox 6">
+              <a:extLst>
+                <a:ext uri="{FF2B5EF4-FFF2-40B4-BE49-F238E27FC236}">
+                  <a16:creationId xmlns:a16="http://schemas.microsoft.com/office/drawing/2014/main" id="{9F6E93A7-C812-3649-7EFE-3870E7D4AAEF}"/>
+                </a:ext>
+              </a:extLst>
+            </p:cNvPr>
+            <p:cNvSpPr txBox="1"/>
+            <p:nvPr/>
+          </p:nvSpPr>
+          <p:spPr>
+            <a:xfrm>
+              <a:off x="8633171" y="914399"/>
+              <a:ext cx="758777" cy="276999"/>
+            </a:xfrm>
+            <a:prstGeom prst="rect">
+              <a:avLst/>
+            </a:prstGeom>
+            <a:noFill/>
+          </p:spPr>
+          <p:txBody>
+            <a:bodyPr wrap="square" rtlCol="0">
+              <a:spAutoFit/>
+            </a:bodyPr>
+            <a:lstStyle/>
+            <a:p>
+              <a:pPr algn="r"/>
+              <a:r>
+                <a:rPr lang="en-US" altLang="ko-KR" sz="1200" b="1" dirty="0">
+                  <a:latin typeface="한컴 말랑말랑 Regular" panose="020F0303000000000000" pitchFamily="50" charset="-127"/>
+                  <a:ea typeface="한컴 말랑말랑 Regular" panose="020F0303000000000000" pitchFamily="50" charset="-127"/>
+                </a:rPr>
+                <a:t>10</a:t>
+              </a:r>
+              <a:endParaRPr lang="ko-KR" altLang="en-US" sz="1200" b="1" dirty="0">
+                <a:latin typeface="한컴 말랑말랑 Regular" panose="020F0303000000000000" pitchFamily="50" charset="-127"/>
+                <a:ea typeface="한컴 말랑말랑 Regular" panose="020F0303000000000000" pitchFamily="50" charset="-127"/>
+              </a:endParaRPr>
+            </a:p>
+          </p:txBody>
+        </p:sp>
+        <p:sp>
+          <p:nvSpPr>
+            <p:cNvPr id="8" name="TextBox 7">
+              <a:extLst>
+                <a:ext uri="{FF2B5EF4-FFF2-40B4-BE49-F238E27FC236}">
+                  <a16:creationId xmlns:a16="http://schemas.microsoft.com/office/drawing/2014/main" id="{C6573F1C-93DD-C44E-72AD-C418B040E739}"/>
+                </a:ext>
+              </a:extLst>
+            </p:cNvPr>
+            <p:cNvSpPr txBox="1"/>
+            <p:nvPr/>
+          </p:nvSpPr>
+          <p:spPr>
+            <a:xfrm rot="16200000">
+              <a:off x="8052214" y="2859662"/>
+              <a:ext cx="2432259" cy="276999"/>
+            </a:xfrm>
+            <a:prstGeom prst="rect">
+              <a:avLst/>
+            </a:prstGeom>
+            <a:noFill/>
+          </p:spPr>
+          <p:txBody>
+            <a:bodyPr wrap="square" rtlCol="0">
+              <a:spAutoFit/>
+            </a:bodyPr>
+            <a:lstStyle/>
+            <a:p>
+              <a:r>
+                <a:rPr lang="en-US" altLang="ko-KR" sz="1200" b="1" dirty="0">
+                  <a:latin typeface="한컴 말랑말랑 Regular" panose="020F0303000000000000" pitchFamily="50" charset="-127"/>
+                  <a:ea typeface="한컴 말랑말랑 Regular" panose="020F0303000000000000" pitchFamily="50" charset="-127"/>
+                </a:rPr>
+                <a:t>Peace</a:t>
+              </a:r>
+              <a:endParaRPr lang="ko-KR" altLang="en-US" sz="1200" b="1" dirty="0">
+                <a:latin typeface="한컴 말랑말랑 Regular" panose="020F0303000000000000" pitchFamily="50" charset="-127"/>
+                <a:ea typeface="한컴 말랑말랑 Regular" panose="020F0303000000000000" pitchFamily="50" charset="-127"/>
+              </a:endParaRPr>
+            </a:p>
+          </p:txBody>
+        </p:sp>
+      </p:grpSp>
+    </p:spTree>
+    <p:extLst>
+      <p:ext uri="{BB962C8B-B14F-4D97-AF65-F5344CB8AC3E}">
+        <p14:creationId xmlns:p14="http://schemas.microsoft.com/office/powerpoint/2010/main" val="447323845"/>
       </p:ext>
     </p:extLst>
   </p:cSld>

--- a/그림파일.pptx
+++ b/그림파일.pptx
@@ -3358,7 +3358,7 @@
         </p:blipFill>
         <p:spPr bwMode="auto">
           <a:xfrm>
-            <a:off x="8598062" y="686757"/>
+            <a:off x="2905474" y="638822"/>
             <a:ext cx="2143125" cy="2143125"/>
           </a:xfrm>
           <a:prstGeom prst="rect">
@@ -3722,6 +3722,42 @@
           </a:prstGeom>
         </p:spPr>
       </p:pic>
+      <p:pic>
+        <p:nvPicPr>
+          <p:cNvPr id="3" name="그림 2">
+            <a:extLst>
+              <a:ext uri="{FF2B5EF4-FFF2-40B4-BE49-F238E27FC236}">
+                <a16:creationId xmlns:a16="http://schemas.microsoft.com/office/drawing/2014/main" id="{F82E3CF7-E9A3-51A1-1BDA-ADCA95808744}"/>
+              </a:ext>
+            </a:extLst>
+          </p:cNvPr>
+          <p:cNvPicPr>
+            <a:picLocks noChangeAspect="1"/>
+          </p:cNvPicPr>
+          <p:nvPr/>
+        </p:nvPicPr>
+        <p:blipFill>
+          <a:blip r:embed="rId5">
+            <a:extLst>
+              <a:ext uri="{28A0092B-C50C-407E-A947-70E740481C1C}">
+                <a14:useLocalDpi xmlns:a14="http://schemas.microsoft.com/office/drawing/2010/main" val="0"/>
+              </a:ext>
+            </a:extLst>
+          </a:blip>
+          <a:stretch>
+            <a:fillRect/>
+          </a:stretch>
+        </p:blipFill>
+        <p:spPr>
+          <a:xfrm>
+            <a:off x="6792719" y="1710384"/>
+            <a:ext cx="3705742" cy="2905530"/>
+          </a:xfrm>
+          <a:prstGeom prst="rect">
+            <a:avLst/>
+          </a:prstGeom>
+        </p:spPr>
+      </p:pic>
     </p:spTree>
     <p:extLst>
       <p:ext uri="{BB962C8B-B14F-4D97-AF65-F5344CB8AC3E}">
@@ -4806,7 +4842,7 @@
         </p:nvGrpSpPr>
         <p:grpSpPr>
           <a:xfrm>
-            <a:off x="8689213" y="2498868"/>
+            <a:off x="9309139" y="1127769"/>
             <a:ext cx="2300350" cy="1230214"/>
             <a:chOff x="3286936" y="2304661"/>
             <a:chExt cx="2300350" cy="1230214"/>
@@ -5191,6 +5227,105 @@
           </p:txBody>
         </p:sp>
       </p:grpSp>
+      <p:sp>
+        <p:nvSpPr>
+          <p:cNvPr id="10" name="사각형: 둥근 모서리 9">
+            <a:extLst>
+              <a:ext uri="{FF2B5EF4-FFF2-40B4-BE49-F238E27FC236}">
+                <a16:creationId xmlns:a16="http://schemas.microsoft.com/office/drawing/2014/main" id="{2329B8EF-1128-60B4-0465-A0147579F240}"/>
+              </a:ext>
+            </a:extLst>
+          </p:cNvPr>
+          <p:cNvSpPr/>
+          <p:nvPr/>
+        </p:nvSpPr>
+        <p:spPr>
+          <a:xfrm>
+            <a:off x="7413364" y="2802264"/>
+            <a:ext cx="2286000" cy="3524400"/>
+          </a:xfrm>
+          <a:prstGeom prst="roundRect">
+            <a:avLst>
+              <a:gd name="adj" fmla="val 5294"/>
+            </a:avLst>
+          </a:prstGeom>
+          <a:blipFill>
+            <a:blip r:embed="rId2">
+              <a:extLst>
+                <a:ext uri="{28A0092B-C50C-407E-A947-70E740481C1C}">
+                  <a14:useLocalDpi xmlns:a14="http://schemas.microsoft.com/office/drawing/2010/main" val="0"/>
+                </a:ext>
+              </a:extLst>
+            </a:blip>
+            <a:stretch>
+              <a:fillRect/>
+            </a:stretch>
+          </a:blipFill>
+          <a:ln>
+            <a:noFill/>
+          </a:ln>
+        </p:spPr>
+        <p:style>
+          <a:lnRef idx="2">
+            <a:schemeClr val="accent1">
+              <a:shade val="15000"/>
+            </a:schemeClr>
+          </a:lnRef>
+          <a:fillRef idx="1">
+            <a:schemeClr val="accent1"/>
+          </a:fillRef>
+          <a:effectRef idx="0">
+            <a:schemeClr val="accent1"/>
+          </a:effectRef>
+          <a:fontRef idx="minor">
+            <a:schemeClr val="lt1"/>
+          </a:fontRef>
+        </p:style>
+        <p:txBody>
+          <a:bodyPr rtlCol="0" anchor="ctr"/>
+          <a:lstStyle/>
+          <a:p>
+            <a:pPr algn="ctr"/>
+            <a:endParaRPr lang="ko-KR" altLang="en-US" b="1" dirty="0"/>
+          </a:p>
+        </p:txBody>
+      </p:sp>
+      <p:pic>
+        <p:nvPicPr>
+          <p:cNvPr id="17" name="그림 16">
+            <a:extLst>
+              <a:ext uri="{FF2B5EF4-FFF2-40B4-BE49-F238E27FC236}">
+                <a16:creationId xmlns:a16="http://schemas.microsoft.com/office/drawing/2014/main" id="{B5E6339B-F0D9-2F42-B8CD-31C4D6E3ACDD}"/>
+              </a:ext>
+            </a:extLst>
+          </p:cNvPr>
+          <p:cNvPicPr>
+            <a:picLocks noChangeAspect="1"/>
+          </p:cNvPicPr>
+          <p:nvPr/>
+        </p:nvPicPr>
+        <p:blipFill>
+          <a:blip r:embed="rId3">
+            <a:extLst>
+              <a:ext uri="{28A0092B-C50C-407E-A947-70E740481C1C}">
+                <a14:useLocalDpi xmlns:a14="http://schemas.microsoft.com/office/drawing/2010/main" val="0"/>
+              </a:ext>
+            </a:extLst>
+          </a:blip>
+          <a:stretch>
+            <a:fillRect/>
+          </a:stretch>
+        </p:blipFill>
+        <p:spPr>
+          <a:xfrm>
+            <a:off x="5727698" y="4888464"/>
+            <a:ext cx="1750783" cy="1372722"/>
+          </a:xfrm>
+          <a:prstGeom prst="rect">
+            <a:avLst/>
+          </a:prstGeom>
+        </p:spPr>
+      </p:pic>
     </p:spTree>
     <p:extLst>
       <p:ext uri="{BB962C8B-B14F-4D97-AF65-F5344CB8AC3E}">
